--- a/Doku/schule.pptx
+++ b/Doku/schule.pptx
@@ -6279,8 +6279,180 @@
           <a:lstStyle/>
           <a:p>
             <a:r>
+              <a:rPr dirty="0" err="1">
+                <a:solidFill>
+                  <a:schemeClr val="bg2">
+                    <a:lumMod val="10000"/>
+                    <a:lumOff val="90000"/>
+                  </a:schemeClr>
+                </a:solidFill>
+              </a:rPr>
               <a:t>Viergewinnt</a:t>
             </a:r>
+            <a:endParaRPr dirty="0">
+              <a:solidFill>
+                <a:schemeClr val="bg2">
+                  <a:lumMod val="10000"/>
+                  <a:lumOff val="90000"/>
+                </a:schemeClr>
+              </a:solidFill>
+            </a:endParaRPr>
+          </a:p>
+        </p:txBody>
+      </p:sp>
+      <p:pic>
+        <p:nvPicPr>
+          <p:cNvPr id="4" name="Grafik 3"/>
+          <p:cNvPicPr>
+            <a:picLocks noChangeAspect="1"/>
+          </p:cNvPicPr>
+          <p:nvPr/>
+        </p:nvPicPr>
+        <p:blipFill>
+          <a:blip r:embed="rId2">
+            <a:extLst>
+              <a:ext uri="{28A0092B-C50C-407E-A947-70E740481C1C}">
+                <a14:useLocalDpi xmlns:a14="http://schemas.microsoft.com/office/drawing/2010/main" val="0"/>
+              </a:ext>
+            </a:extLst>
+          </a:blip>
+          <a:stretch>
+            <a:fillRect/>
+          </a:stretch>
+        </p:blipFill>
+        <p:spPr>
+          <a:xfrm>
+            <a:off x="7744349" y="2849609"/>
+            <a:ext cx="4854051" cy="1138191"/>
+          </a:xfrm>
+          <a:prstGeom prst="rect">
+            <a:avLst/>
+          </a:prstGeom>
+        </p:spPr>
+      </p:pic>
+      <p:pic>
+        <p:nvPicPr>
+          <p:cNvPr id="5" name="Grafik 4"/>
+          <p:cNvPicPr>
+            <a:picLocks noChangeAspect="1"/>
+          </p:cNvPicPr>
+          <p:nvPr/>
+        </p:nvPicPr>
+        <p:blipFill>
+          <a:blip r:embed="rId3" cstate="print">
+            <a:extLst>
+              <a:ext uri="{28A0092B-C50C-407E-A947-70E740481C1C}">
+                <a14:useLocalDpi xmlns:a14="http://schemas.microsoft.com/office/drawing/2010/main" val="0"/>
+              </a:ext>
+            </a:extLst>
+          </a:blip>
+          <a:stretch>
+            <a:fillRect/>
+          </a:stretch>
+        </p:blipFill>
+        <p:spPr>
+          <a:xfrm>
+            <a:off x="8153565" y="560943"/>
+            <a:ext cx="4035618" cy="1432644"/>
+          </a:xfrm>
+          <a:prstGeom prst="rect">
+            <a:avLst/>
+          </a:prstGeom>
+        </p:spPr>
+      </p:pic>
+      <p:sp>
+        <p:nvSpPr>
+          <p:cNvPr id="2" name="Textfeld 1"/>
+          <p:cNvSpPr txBox="1"/>
+          <p:nvPr/>
+        </p:nvSpPr>
+        <p:spPr>
+          <a:xfrm>
+            <a:off x="406400" y="7883390"/>
+            <a:ext cx="3562096" cy="1087477"/>
+          </a:xfrm>
+          <a:prstGeom prst="rect">
+            <a:avLst/>
+          </a:prstGeom>
+          <a:noFill/>
+          <a:ln w="12700" cap="flat">
+            <a:noFill/>
+            <a:miter lim="400000"/>
+          </a:ln>
+          <a:effectLst/>
+          <a:sp3d/>
+        </p:spPr>
+        <p:style>
+          <a:lnRef idx="0">
+            <a:scrgbClr r="0" g="0" b="0"/>
+          </a:lnRef>
+          <a:fillRef idx="0">
+            <a:scrgbClr r="0" g="0" b="0"/>
+          </a:fillRef>
+          <a:effectRef idx="0">
+            <a:scrgbClr r="0" g="0" b="0"/>
+          </a:effectRef>
+          <a:fontRef idx="none"/>
+        </p:style>
+        <p:txBody>
+          <a:bodyPr rot="0" spcFirstLastPara="1" vertOverflow="overflow" horzOverflow="overflow" vert="horz" wrap="square" lIns="50800" tIns="50800" rIns="50800" bIns="50800" numCol="1" spcCol="38100" rtlCol="0" anchor="ctr">
+            <a:spAutoFit/>
+          </a:bodyPr>
+          <a:lstStyle/>
+          <a:p>
+            <a:pPr marL="0" marR="0" indent="0" algn="l" defTabSz="584200" rtl="0" fontAlgn="auto" latinLnBrk="0" hangingPunct="0">
+              <a:lnSpc>
+                <a:spcPct val="100000"/>
+              </a:lnSpc>
+              <a:spcBef>
+                <a:spcPts val="2400"/>
+              </a:spcBef>
+              <a:spcAft>
+                <a:spcPts val="0"/>
+              </a:spcAft>
+              <a:buClrTx/>
+              <a:buSzTx/>
+              <a:buFontTx/>
+              <a:buNone/>
+              <a:tabLst/>
+            </a:pPr>
+            <a:r>
+              <a:rPr kumimoji="0" lang="de-DE" sz="4400" b="0" i="0" u="none" strike="noStrike" cap="none" spc="0" normalizeH="0" baseline="0" dirty="0" smtClean="0">
+                <a:ln>
+                  <a:noFill/>
+                </a:ln>
+                <a:solidFill>
+                  <a:schemeClr val="tx2">
+                    <a:lumMod val="20000"/>
+                    <a:lumOff val="80000"/>
+                  </a:schemeClr>
+                </a:solidFill>
+                <a:effectLst/>
+                <a:uFillTx/>
+                <a:latin typeface="Avenir Next Medium"/>
+                <a:ea typeface="Avenir Next Medium"/>
+                <a:cs typeface="Avenir Next Medium"/>
+                <a:sym typeface="Avenir Next Medium"/>
+              </a:rPr>
+              <a:t>14.02.2017</a:t>
+            </a:r>
+            <a:endParaRPr kumimoji="0" lang="de-DE" sz="4400" b="0" i="0" u="none" strike="noStrike" cap="none" spc="0" normalizeH="0" baseline="0" dirty="0">
+              <a:ln>
+                <a:noFill/>
+              </a:ln>
+              <a:solidFill>
+                <a:schemeClr val="tx2">
+                  <a:lumMod val="20000"/>
+                  <a:lumOff val="80000"/>
+                </a:schemeClr>
+              </a:solidFill>
+              <a:effectLst/>
+              <a:uFillTx/>
+              <a:latin typeface="Avenir Next Medium"/>
+              <a:ea typeface="Avenir Next Medium"/>
+              <a:cs typeface="Avenir Next Medium"/>
+              <a:sym typeface="Avenir Next Medium"/>
+            </a:endParaRPr>
           </a:p>
         </p:txBody>
       </p:sp>
@@ -6572,6 +6744,185 @@
           </a:p>
         </p:txBody>
       </p:sp>
+      <p:pic>
+        <p:nvPicPr>
+          <p:cNvPr id="6" name="Grafik 5"/>
+          <p:cNvPicPr>
+            <a:picLocks noChangeAspect="1"/>
+          </p:cNvPicPr>
+          <p:nvPr/>
+        </p:nvPicPr>
+        <p:blipFill>
+          <a:blip r:embed="rId3">
+            <a:extLst>
+              <a:ext uri="{28A0092B-C50C-407E-A947-70E740481C1C}">
+                <a14:useLocalDpi xmlns:a14="http://schemas.microsoft.com/office/drawing/2010/main" val="0"/>
+              </a:ext>
+            </a:extLst>
+          </a:blip>
+          <a:stretch>
+            <a:fillRect/>
+          </a:stretch>
+        </p:blipFill>
+        <p:spPr>
+          <a:xfrm>
+            <a:off x="406400" y="7821226"/>
+            <a:ext cx="4854051" cy="1138191"/>
+          </a:xfrm>
+          <a:prstGeom prst="rect">
+            <a:avLst/>
+          </a:prstGeom>
+        </p:spPr>
+      </p:pic>
+      <p:sp>
+        <p:nvSpPr>
+          <p:cNvPr id="7" name="Rechteck 6"/>
+          <p:cNvSpPr/>
+          <p:nvPr/>
+        </p:nvSpPr>
+        <p:spPr>
+          <a:xfrm>
+            <a:off x="406400" y="9174451"/>
+            <a:ext cx="12192000" cy="447302"/>
+          </a:xfrm>
+          <a:prstGeom prst="rect">
+            <a:avLst/>
+          </a:prstGeom>
+          <a:noFill/>
+          <a:ln w="12700" cap="flat">
+            <a:noFill/>
+            <a:miter lim="400000"/>
+          </a:ln>
+          <a:effectLst/>
+          <a:sp3d/>
+        </p:spPr>
+        <p:style>
+          <a:lnRef idx="0">
+            <a:scrgbClr r="0" g="0" b="0"/>
+          </a:lnRef>
+          <a:fillRef idx="0">
+            <a:scrgbClr r="0" g="0" b="0"/>
+          </a:fillRef>
+          <a:effectRef idx="0">
+            <a:scrgbClr r="0" g="0" b="0"/>
+          </a:effectRef>
+          <a:fontRef idx="none"/>
+        </p:style>
+        <p:txBody>
+          <a:bodyPr rot="0" spcFirstLastPara="1" vertOverflow="overflow" horzOverflow="overflow" vert="horz" wrap="square" lIns="50800" tIns="50800" rIns="50800" bIns="50800" numCol="1" spcCol="38100" rtlCol="0" anchor="ctr">
+            <a:spAutoFit/>
+          </a:bodyPr>
+          <a:lstStyle/>
+          <a:p>
+            <a:pPr>
+              <a:lnSpc>
+                <a:spcPct val="80000"/>
+              </a:lnSpc>
+              <a:spcBef>
+                <a:spcPts val="0"/>
+              </a:spcBef>
+            </a:pPr>
+            <a:r>
+              <a:rPr lang="de-DE" sz="2800" dirty="0" smtClean="0">
+                <a:solidFill>
+                  <a:srgbClr val="FFFFFF"/>
+                </a:solidFill>
+                <a:latin typeface="+mn-lt"/>
+                <a:ea typeface="+mn-ea"/>
+                <a:cs typeface="+mn-cs"/>
+                <a:sym typeface="DIN Condensed"/>
+              </a:rPr>
+              <a:t>Andreas </a:t>
+            </a:r>
+            <a:r>
+              <a:rPr lang="de-DE" sz="2800" dirty="0" err="1" smtClean="0">
+                <a:solidFill>
+                  <a:srgbClr val="FFFFFF"/>
+                </a:solidFill>
+                <a:latin typeface="+mn-lt"/>
+                <a:ea typeface="+mn-ea"/>
+                <a:cs typeface="+mn-cs"/>
+                <a:sym typeface="DIN Condensed"/>
+              </a:rPr>
+              <a:t>Nunberger</a:t>
+            </a:r>
+            <a:r>
+              <a:rPr lang="de-DE" sz="2800" dirty="0" smtClean="0">
+                <a:solidFill>
+                  <a:srgbClr val="FFFFFF"/>
+                </a:solidFill>
+                <a:latin typeface="+mn-lt"/>
+                <a:ea typeface="+mn-ea"/>
+                <a:cs typeface="+mn-cs"/>
+                <a:sym typeface="DIN Condensed"/>
+              </a:rPr>
+              <a:t>    			14.02.2017 			</a:t>
+            </a:r>
+            <a:r>
+              <a:rPr lang="de-DE" sz="2800" dirty="0" smtClean="0">
+                <a:solidFill>
+                  <a:srgbClr val="FFFFFF"/>
+                </a:solidFill>
+                <a:sym typeface="DIN Condensed"/>
+              </a:rPr>
+              <a:t>Mario </a:t>
+            </a:r>
+            <a:r>
+              <a:rPr lang="de-DE" sz="2800" dirty="0" err="1" smtClean="0">
+                <a:solidFill>
+                  <a:srgbClr val="FFFFFF"/>
+                </a:solidFill>
+                <a:sym typeface="DIN Condensed"/>
+              </a:rPr>
+              <a:t>Zeindlmeier</a:t>
+            </a:r>
+            <a:endParaRPr kumimoji="0" lang="de-DE" sz="2800" b="0" i="0" u="none" strike="noStrike" spc="0" normalizeH="0" baseline="0" dirty="0">
+              <a:ln>
+                <a:noFill/>
+              </a:ln>
+              <a:solidFill>
+                <a:srgbClr val="FFFFFF"/>
+              </a:solidFill>
+              <a:effectLst/>
+              <a:uFillTx/>
+              <a:latin typeface="+mn-lt"/>
+              <a:ea typeface="+mn-ea"/>
+              <a:cs typeface="+mn-cs"/>
+              <a:sym typeface="DIN Condensed"/>
+            </a:endParaRPr>
+          </a:p>
+        </p:txBody>
+      </p:sp>
+      <p:pic>
+        <p:nvPicPr>
+          <p:cNvPr id="8" name="Grafik 7"/>
+          <p:cNvPicPr>
+            <a:picLocks noChangeAspect="1"/>
+          </p:cNvPicPr>
+          <p:nvPr/>
+        </p:nvPicPr>
+        <p:blipFill>
+          <a:blip r:embed="rId4" cstate="print">
+            <a:extLst>
+              <a:ext uri="{28A0092B-C50C-407E-A947-70E740481C1C}">
+                <a14:useLocalDpi xmlns:a14="http://schemas.microsoft.com/office/drawing/2010/main" val="0"/>
+              </a:ext>
+            </a:extLst>
+          </a:blip>
+          <a:stretch>
+            <a:fillRect/>
+          </a:stretch>
+        </p:blipFill>
+        <p:spPr>
+          <a:xfrm>
+            <a:off x="8562782" y="7526773"/>
+            <a:ext cx="4035618" cy="1432644"/>
+          </a:xfrm>
+          <a:prstGeom prst="rect">
+            <a:avLst/>
+          </a:prstGeom>
+        </p:spPr>
+      </p:pic>
     </p:spTree>
   </p:cSld>
   <p:clrMapOvr>
@@ -7234,6 +7585,185 @@
               </a:rPr>
               <a:t>Code-Review</a:t>
             </a:r>
+          </a:p>
+        </p:txBody>
+      </p:sp>
+      <p:pic>
+        <p:nvPicPr>
+          <p:cNvPr id="5" name="Grafik 4"/>
+          <p:cNvPicPr>
+            <a:picLocks noChangeAspect="1"/>
+          </p:cNvPicPr>
+          <p:nvPr/>
+        </p:nvPicPr>
+        <p:blipFill>
+          <a:blip r:embed="rId3" cstate="print">
+            <a:extLst>
+              <a:ext uri="{28A0092B-C50C-407E-A947-70E740481C1C}">
+                <a14:useLocalDpi xmlns:a14="http://schemas.microsoft.com/office/drawing/2010/main" val="0"/>
+              </a:ext>
+            </a:extLst>
+          </a:blip>
+          <a:stretch>
+            <a:fillRect/>
+          </a:stretch>
+        </p:blipFill>
+        <p:spPr>
+          <a:xfrm>
+            <a:off x="8562782" y="7526773"/>
+            <a:ext cx="4035618" cy="1432644"/>
+          </a:xfrm>
+          <a:prstGeom prst="rect">
+            <a:avLst/>
+          </a:prstGeom>
+        </p:spPr>
+      </p:pic>
+      <p:pic>
+        <p:nvPicPr>
+          <p:cNvPr id="6" name="Grafik 5"/>
+          <p:cNvPicPr>
+            <a:picLocks noChangeAspect="1"/>
+          </p:cNvPicPr>
+          <p:nvPr/>
+        </p:nvPicPr>
+        <p:blipFill>
+          <a:blip r:embed="rId4">
+            <a:extLst>
+              <a:ext uri="{28A0092B-C50C-407E-A947-70E740481C1C}">
+                <a14:useLocalDpi xmlns:a14="http://schemas.microsoft.com/office/drawing/2010/main" val="0"/>
+              </a:ext>
+            </a:extLst>
+          </a:blip>
+          <a:stretch>
+            <a:fillRect/>
+          </a:stretch>
+        </p:blipFill>
+        <p:spPr>
+          <a:xfrm>
+            <a:off x="406400" y="7821226"/>
+            <a:ext cx="4854051" cy="1138191"/>
+          </a:xfrm>
+          <a:prstGeom prst="rect">
+            <a:avLst/>
+          </a:prstGeom>
+        </p:spPr>
+      </p:pic>
+      <p:sp>
+        <p:nvSpPr>
+          <p:cNvPr id="7" name="Rechteck 6"/>
+          <p:cNvSpPr/>
+          <p:nvPr/>
+        </p:nvSpPr>
+        <p:spPr>
+          <a:xfrm>
+            <a:off x="406400" y="9174451"/>
+            <a:ext cx="12192000" cy="447302"/>
+          </a:xfrm>
+          <a:prstGeom prst="rect">
+            <a:avLst/>
+          </a:prstGeom>
+          <a:noFill/>
+          <a:ln w="12700" cap="flat">
+            <a:noFill/>
+            <a:miter lim="400000"/>
+          </a:ln>
+          <a:effectLst/>
+          <a:sp3d/>
+        </p:spPr>
+        <p:style>
+          <a:lnRef idx="0">
+            <a:scrgbClr r="0" g="0" b="0"/>
+          </a:lnRef>
+          <a:fillRef idx="0">
+            <a:scrgbClr r="0" g="0" b="0"/>
+          </a:fillRef>
+          <a:effectRef idx="0">
+            <a:scrgbClr r="0" g="0" b="0"/>
+          </a:effectRef>
+          <a:fontRef idx="none"/>
+        </p:style>
+        <p:txBody>
+          <a:bodyPr rot="0" spcFirstLastPara="1" vertOverflow="overflow" horzOverflow="overflow" vert="horz" wrap="square" lIns="50800" tIns="50800" rIns="50800" bIns="50800" numCol="1" spcCol="38100" rtlCol="0" anchor="ctr">
+            <a:spAutoFit/>
+          </a:bodyPr>
+          <a:lstStyle/>
+          <a:p>
+            <a:pPr>
+              <a:lnSpc>
+                <a:spcPct val="80000"/>
+              </a:lnSpc>
+              <a:spcBef>
+                <a:spcPts val="0"/>
+              </a:spcBef>
+            </a:pPr>
+            <a:r>
+              <a:rPr lang="de-DE" sz="2800" dirty="0" smtClean="0">
+                <a:solidFill>
+                  <a:srgbClr val="FFFFFF"/>
+                </a:solidFill>
+                <a:latin typeface="+mn-lt"/>
+                <a:ea typeface="+mn-ea"/>
+                <a:cs typeface="+mn-cs"/>
+                <a:sym typeface="DIN Condensed"/>
+              </a:rPr>
+              <a:t>Andreas </a:t>
+            </a:r>
+            <a:r>
+              <a:rPr lang="de-DE" sz="2800" dirty="0" err="1" smtClean="0">
+                <a:solidFill>
+                  <a:srgbClr val="FFFFFF"/>
+                </a:solidFill>
+                <a:latin typeface="+mn-lt"/>
+                <a:ea typeface="+mn-ea"/>
+                <a:cs typeface="+mn-cs"/>
+                <a:sym typeface="DIN Condensed"/>
+              </a:rPr>
+              <a:t>Nunberger</a:t>
+            </a:r>
+            <a:r>
+              <a:rPr lang="de-DE" sz="2800" dirty="0" smtClean="0">
+                <a:solidFill>
+                  <a:srgbClr val="FFFFFF"/>
+                </a:solidFill>
+                <a:latin typeface="+mn-lt"/>
+                <a:ea typeface="+mn-ea"/>
+                <a:cs typeface="+mn-cs"/>
+                <a:sym typeface="DIN Condensed"/>
+              </a:rPr>
+              <a:t>    			14.02.2017 			</a:t>
+            </a:r>
+            <a:r>
+              <a:rPr lang="de-DE" sz="2800" dirty="0" smtClean="0">
+                <a:solidFill>
+                  <a:srgbClr val="FFFFFF"/>
+                </a:solidFill>
+                <a:sym typeface="DIN Condensed"/>
+              </a:rPr>
+              <a:t>Mario </a:t>
+            </a:r>
+            <a:r>
+              <a:rPr lang="de-DE" sz="2800" dirty="0" err="1" smtClean="0">
+                <a:solidFill>
+                  <a:srgbClr val="FFFFFF"/>
+                </a:solidFill>
+                <a:sym typeface="DIN Condensed"/>
+              </a:rPr>
+              <a:t>Zeindlmeier</a:t>
+            </a:r>
+            <a:endParaRPr kumimoji="0" lang="de-DE" sz="2800" b="0" i="0" u="none" strike="noStrike" spc="0" normalizeH="0" baseline="0" dirty="0">
+              <a:ln>
+                <a:noFill/>
+              </a:ln>
+              <a:solidFill>
+                <a:srgbClr val="FFFFFF"/>
+              </a:solidFill>
+              <a:effectLst/>
+              <a:uFillTx/>
+              <a:latin typeface="+mn-lt"/>
+              <a:ea typeface="+mn-ea"/>
+              <a:cs typeface="+mn-cs"/>
+              <a:sym typeface="DIN Condensed"/>
+            </a:endParaRPr>
           </a:p>
         </p:txBody>
       </p:sp>
@@ -7670,14 +8200,14 @@
           <p:nvPr>
             <p:extLst>
               <p:ext uri="{D42A27DB-BD31-4B8C-83A1-F6EECF244321}">
-                <p14:modId xmlns:p14="http://schemas.microsoft.com/office/powerpoint/2010/main" val="2842811070"/>
+                <p14:modId xmlns:p14="http://schemas.microsoft.com/office/powerpoint/2010/main" val="3146104636"/>
               </p:ext>
             </p:extLst>
           </p:nvPr>
         </p:nvGraphicFramePr>
         <p:xfrm>
-          <a:off x="406400" y="2699512"/>
-          <a:ext cx="12191999" cy="5874248"/>
+          <a:off x="406401" y="2260600"/>
+          <a:ext cx="12191999" cy="5072888"/>
         </p:xfrm>
         <a:graphic>
           <a:graphicData uri="http://schemas.openxmlformats.org/drawingml/2006/table">
@@ -8247,94 +8777,189 @@
                   <a:tcPr marL="50800" marR="50800" marT="50800" marB="50800" anchor="ctr"/>
                 </a:tc>
               </a:tr>
-              <a:tr h="801360">
-                <a:tc>
-                  <a:txBody>
-                    <a:bodyPr/>
-                    <a:lstStyle/>
-                    <a:p>
-                      <a:pPr algn="r">
-                        <a:spcAft>
-                          <a:spcPts val="0"/>
-                        </a:spcAft>
-                      </a:pPr>
-                      <a:r>
-                        <a:rPr lang="de-DE" sz="2800" dirty="0">
-                          <a:solidFill>
-                            <a:srgbClr val="F8F8F8"/>
-                          </a:solidFill>
-                          <a:effectLst/>
-                        </a:rPr>
-                        <a:t>Rückgemeldete Fehler ausbauen</a:t>
-                      </a:r>
-                      <a:endParaRPr lang="de-DE" sz="1800" b="1" dirty="0">
-                        <a:solidFill>
-                          <a:srgbClr val="F8F8F8"/>
-                        </a:solidFill>
-                        <a:effectLst/>
-                        <a:latin typeface="Palatino"/>
-                        <a:ea typeface="Palatino"/>
-                        <a:cs typeface="Palatino"/>
-                      </a:endParaRPr>
-                    </a:p>
-                  </a:txBody>
-                  <a:tcPr marL="50800" marR="50800" marT="50800" marB="50800"/>
-                </a:tc>
-                <a:tc>
-                  <a:txBody>
-                    <a:bodyPr/>
-                    <a:lstStyle/>
-                    <a:p>
-                      <a:pPr marR="53340" algn="ctr">
-                        <a:spcAft>
-                          <a:spcPts val="0"/>
-                        </a:spcAft>
-                      </a:pPr>
-                      <a:r>
-                        <a:rPr lang="de-DE" sz="2800">
-                          <a:effectLst/>
-                        </a:rPr>
-                        <a:t>5 Stunden</a:t>
-                      </a:r>
-                      <a:endParaRPr lang="de-DE" sz="2800">
-                        <a:effectLst/>
-                        <a:latin typeface="Times New Roman" panose="02020603050405020304" pitchFamily="18" charset="0"/>
-                        <a:ea typeface="Arial Unicode MS" panose="020B0604020202020204" pitchFamily="34" charset="-128"/>
-                      </a:endParaRPr>
-                    </a:p>
-                  </a:txBody>
-                  <a:tcPr marL="0" marR="0" marT="0" marB="0" anchor="ctr"/>
-                </a:tc>
-                <a:tc>
-                  <a:txBody>
-                    <a:bodyPr/>
-                    <a:lstStyle/>
-                    <a:p>
-                      <a:pPr algn="ctr">
-                        <a:spcAft>
-                          <a:spcPts val="0"/>
-                        </a:spcAft>
-                      </a:pPr>
-                      <a:r>
-                        <a:rPr lang="de-DE" sz="2800" dirty="0">
-                          <a:effectLst/>
-                        </a:rPr>
-                        <a:t>3 Stunden</a:t>
-                      </a:r>
-                      <a:endParaRPr lang="de-DE" sz="2800" dirty="0">
-                        <a:effectLst/>
-                        <a:latin typeface="Times New Roman" panose="02020603050405020304" pitchFamily="18" charset="0"/>
-                        <a:ea typeface="Arial Unicode MS" panose="020B0604020202020204" pitchFamily="34" charset="-128"/>
-                      </a:endParaRPr>
-                    </a:p>
-                  </a:txBody>
-                  <a:tcPr marL="50800" marR="50800" marT="50800" marB="50800" anchor="ctr"/>
-                </a:tc>
-              </a:tr>
             </a:tbl>
           </a:graphicData>
         </a:graphic>
       </p:graphicFrame>
+      <p:pic>
+        <p:nvPicPr>
+          <p:cNvPr id="8" name="Grafik 7"/>
+          <p:cNvPicPr>
+            <a:picLocks noChangeAspect="1"/>
+          </p:cNvPicPr>
+          <p:nvPr/>
+        </p:nvPicPr>
+        <p:blipFill>
+          <a:blip r:embed="rId2">
+            <a:extLst>
+              <a:ext uri="{28A0092B-C50C-407E-A947-70E740481C1C}">
+                <a14:useLocalDpi xmlns:a14="http://schemas.microsoft.com/office/drawing/2010/main" val="0"/>
+              </a:ext>
+            </a:extLst>
+          </a:blip>
+          <a:stretch>
+            <a:fillRect/>
+          </a:stretch>
+        </p:blipFill>
+        <p:spPr>
+          <a:xfrm>
+            <a:off x="406400" y="7821226"/>
+            <a:ext cx="4854051" cy="1138191"/>
+          </a:xfrm>
+          <a:prstGeom prst="rect">
+            <a:avLst/>
+          </a:prstGeom>
+        </p:spPr>
+      </p:pic>
+      <p:sp>
+        <p:nvSpPr>
+          <p:cNvPr id="9" name="Rechteck 8"/>
+          <p:cNvSpPr/>
+          <p:nvPr/>
+        </p:nvSpPr>
+        <p:spPr>
+          <a:xfrm>
+            <a:off x="406400" y="9174451"/>
+            <a:ext cx="12192000" cy="447302"/>
+          </a:xfrm>
+          <a:prstGeom prst="rect">
+            <a:avLst/>
+          </a:prstGeom>
+          <a:noFill/>
+          <a:ln w="12700" cap="flat">
+            <a:noFill/>
+            <a:miter lim="400000"/>
+          </a:ln>
+          <a:effectLst/>
+          <a:sp3d/>
+        </p:spPr>
+        <p:style>
+          <a:lnRef idx="0">
+            <a:scrgbClr r="0" g="0" b="0"/>
+          </a:lnRef>
+          <a:fillRef idx="0">
+            <a:scrgbClr r="0" g="0" b="0"/>
+          </a:fillRef>
+          <a:effectRef idx="0">
+            <a:scrgbClr r="0" g="0" b="0"/>
+          </a:effectRef>
+          <a:fontRef idx="none"/>
+        </p:style>
+        <p:txBody>
+          <a:bodyPr rot="0" spcFirstLastPara="1" vertOverflow="overflow" horzOverflow="overflow" vert="horz" wrap="square" lIns="50800" tIns="50800" rIns="50800" bIns="50800" numCol="1" spcCol="38100" rtlCol="0" anchor="ctr">
+            <a:spAutoFit/>
+          </a:bodyPr>
+          <a:lstStyle/>
+          <a:p>
+            <a:pPr>
+              <a:lnSpc>
+                <a:spcPct val="80000"/>
+              </a:lnSpc>
+              <a:spcBef>
+                <a:spcPts val="0"/>
+              </a:spcBef>
+            </a:pPr>
+            <a:r>
+              <a:rPr lang="de-DE" sz="2800" dirty="0" smtClean="0">
+                <a:solidFill>
+                  <a:srgbClr val="FFFFFF"/>
+                </a:solidFill>
+                <a:latin typeface="+mn-lt"/>
+                <a:ea typeface="+mn-ea"/>
+                <a:cs typeface="+mn-cs"/>
+                <a:sym typeface="DIN Condensed"/>
+              </a:rPr>
+              <a:t>Andreas </a:t>
+            </a:r>
+            <a:r>
+              <a:rPr lang="de-DE" sz="2800" dirty="0" err="1" smtClean="0">
+                <a:solidFill>
+                  <a:srgbClr val="FFFFFF"/>
+                </a:solidFill>
+                <a:latin typeface="+mn-lt"/>
+                <a:ea typeface="+mn-ea"/>
+                <a:cs typeface="+mn-cs"/>
+                <a:sym typeface="DIN Condensed"/>
+              </a:rPr>
+              <a:t>Nunberger</a:t>
+            </a:r>
+            <a:r>
+              <a:rPr lang="de-DE" sz="2800" dirty="0" smtClean="0">
+                <a:solidFill>
+                  <a:srgbClr val="FFFFFF"/>
+                </a:solidFill>
+                <a:latin typeface="+mn-lt"/>
+                <a:ea typeface="+mn-ea"/>
+                <a:cs typeface="+mn-cs"/>
+                <a:sym typeface="DIN Condensed"/>
+              </a:rPr>
+              <a:t>    			14.02.2017 			</a:t>
+            </a:r>
+            <a:r>
+              <a:rPr lang="de-DE" sz="2800" dirty="0" smtClean="0">
+                <a:solidFill>
+                  <a:srgbClr val="FFFFFF"/>
+                </a:solidFill>
+                <a:sym typeface="DIN Condensed"/>
+              </a:rPr>
+              <a:t>Mario </a:t>
+            </a:r>
+            <a:r>
+              <a:rPr lang="de-DE" sz="2800" dirty="0" err="1" smtClean="0">
+                <a:solidFill>
+                  <a:srgbClr val="FFFFFF"/>
+                </a:solidFill>
+                <a:sym typeface="DIN Condensed"/>
+              </a:rPr>
+              <a:t>Zeindlmeier</a:t>
+            </a:r>
+            <a:endParaRPr kumimoji="0" lang="de-DE" sz="2800" b="0" i="0" u="none" strike="noStrike" spc="0" normalizeH="0" baseline="0" dirty="0">
+              <a:ln>
+                <a:noFill/>
+              </a:ln>
+              <a:solidFill>
+                <a:srgbClr val="FFFFFF"/>
+              </a:solidFill>
+              <a:effectLst/>
+              <a:uFillTx/>
+              <a:latin typeface="+mn-lt"/>
+              <a:ea typeface="+mn-ea"/>
+              <a:cs typeface="+mn-cs"/>
+              <a:sym typeface="DIN Condensed"/>
+            </a:endParaRPr>
+          </a:p>
+        </p:txBody>
+      </p:sp>
+      <p:pic>
+        <p:nvPicPr>
+          <p:cNvPr id="10" name="Grafik 9"/>
+          <p:cNvPicPr>
+            <a:picLocks noChangeAspect="1"/>
+          </p:cNvPicPr>
+          <p:nvPr/>
+        </p:nvPicPr>
+        <p:blipFill>
+          <a:blip r:embed="rId3" cstate="print">
+            <a:extLst>
+              <a:ext uri="{28A0092B-C50C-407E-A947-70E740481C1C}">
+                <a14:useLocalDpi xmlns:a14="http://schemas.microsoft.com/office/drawing/2010/main" val="0"/>
+              </a:ext>
+            </a:extLst>
+          </a:blip>
+          <a:stretch>
+            <a:fillRect/>
+          </a:stretch>
+        </p:blipFill>
+        <p:spPr>
+          <a:xfrm>
+            <a:off x="8562782" y="7526773"/>
+            <a:ext cx="4035618" cy="1432644"/>
+          </a:xfrm>
+          <a:prstGeom prst="rect">
+            <a:avLst/>
+          </a:prstGeom>
+        </p:spPr>
+      </p:pic>
     </p:spTree>
   </p:cSld>
   <p:clrMapOvr>
@@ -8735,6 +9360,185 @@
           </a:p>
         </p:txBody>
       </p:sp>
+      <p:pic>
+        <p:nvPicPr>
+          <p:cNvPr id="5" name="Grafik 4"/>
+          <p:cNvPicPr>
+            <a:picLocks noChangeAspect="1"/>
+          </p:cNvPicPr>
+          <p:nvPr/>
+        </p:nvPicPr>
+        <p:blipFill>
+          <a:blip r:embed="rId3">
+            <a:extLst>
+              <a:ext uri="{28A0092B-C50C-407E-A947-70E740481C1C}">
+                <a14:useLocalDpi xmlns:a14="http://schemas.microsoft.com/office/drawing/2010/main" val="0"/>
+              </a:ext>
+            </a:extLst>
+          </a:blip>
+          <a:stretch>
+            <a:fillRect/>
+          </a:stretch>
+        </p:blipFill>
+        <p:spPr>
+          <a:xfrm>
+            <a:off x="406400" y="7821226"/>
+            <a:ext cx="4854051" cy="1138191"/>
+          </a:xfrm>
+          <a:prstGeom prst="rect">
+            <a:avLst/>
+          </a:prstGeom>
+        </p:spPr>
+      </p:pic>
+      <p:sp>
+        <p:nvSpPr>
+          <p:cNvPr id="6" name="Rechteck 5"/>
+          <p:cNvSpPr/>
+          <p:nvPr/>
+        </p:nvSpPr>
+        <p:spPr>
+          <a:xfrm>
+            <a:off x="406400" y="9174451"/>
+            <a:ext cx="12192000" cy="447302"/>
+          </a:xfrm>
+          <a:prstGeom prst="rect">
+            <a:avLst/>
+          </a:prstGeom>
+          <a:noFill/>
+          <a:ln w="12700" cap="flat">
+            <a:noFill/>
+            <a:miter lim="400000"/>
+          </a:ln>
+          <a:effectLst/>
+          <a:sp3d/>
+        </p:spPr>
+        <p:style>
+          <a:lnRef idx="0">
+            <a:scrgbClr r="0" g="0" b="0"/>
+          </a:lnRef>
+          <a:fillRef idx="0">
+            <a:scrgbClr r="0" g="0" b="0"/>
+          </a:fillRef>
+          <a:effectRef idx="0">
+            <a:scrgbClr r="0" g="0" b="0"/>
+          </a:effectRef>
+          <a:fontRef idx="none"/>
+        </p:style>
+        <p:txBody>
+          <a:bodyPr rot="0" spcFirstLastPara="1" vertOverflow="overflow" horzOverflow="overflow" vert="horz" wrap="square" lIns="50800" tIns="50800" rIns="50800" bIns="50800" numCol="1" spcCol="38100" rtlCol="0" anchor="ctr">
+            <a:spAutoFit/>
+          </a:bodyPr>
+          <a:lstStyle/>
+          <a:p>
+            <a:pPr>
+              <a:lnSpc>
+                <a:spcPct val="80000"/>
+              </a:lnSpc>
+              <a:spcBef>
+                <a:spcPts val="0"/>
+              </a:spcBef>
+            </a:pPr>
+            <a:r>
+              <a:rPr lang="de-DE" sz="2800" dirty="0" smtClean="0">
+                <a:solidFill>
+                  <a:srgbClr val="FFFFFF"/>
+                </a:solidFill>
+                <a:latin typeface="+mn-lt"/>
+                <a:ea typeface="+mn-ea"/>
+                <a:cs typeface="+mn-cs"/>
+                <a:sym typeface="DIN Condensed"/>
+              </a:rPr>
+              <a:t>Andreas </a:t>
+            </a:r>
+            <a:r>
+              <a:rPr lang="de-DE" sz="2800" dirty="0" err="1" smtClean="0">
+                <a:solidFill>
+                  <a:srgbClr val="FFFFFF"/>
+                </a:solidFill>
+                <a:latin typeface="+mn-lt"/>
+                <a:ea typeface="+mn-ea"/>
+                <a:cs typeface="+mn-cs"/>
+                <a:sym typeface="DIN Condensed"/>
+              </a:rPr>
+              <a:t>Nunberger</a:t>
+            </a:r>
+            <a:r>
+              <a:rPr lang="de-DE" sz="2800" dirty="0" smtClean="0">
+                <a:solidFill>
+                  <a:srgbClr val="FFFFFF"/>
+                </a:solidFill>
+                <a:latin typeface="+mn-lt"/>
+                <a:ea typeface="+mn-ea"/>
+                <a:cs typeface="+mn-cs"/>
+                <a:sym typeface="DIN Condensed"/>
+              </a:rPr>
+              <a:t>    			14.02.2017 			</a:t>
+            </a:r>
+            <a:r>
+              <a:rPr lang="de-DE" sz="2800" dirty="0" smtClean="0">
+                <a:solidFill>
+                  <a:srgbClr val="FFFFFF"/>
+                </a:solidFill>
+                <a:sym typeface="DIN Condensed"/>
+              </a:rPr>
+              <a:t>Mario </a:t>
+            </a:r>
+            <a:r>
+              <a:rPr lang="de-DE" sz="2800" dirty="0" err="1" smtClean="0">
+                <a:solidFill>
+                  <a:srgbClr val="FFFFFF"/>
+                </a:solidFill>
+                <a:sym typeface="DIN Condensed"/>
+              </a:rPr>
+              <a:t>Zeindlmeier</a:t>
+            </a:r>
+            <a:endParaRPr kumimoji="0" lang="de-DE" sz="2800" b="0" i="0" u="none" strike="noStrike" spc="0" normalizeH="0" baseline="0" dirty="0">
+              <a:ln>
+                <a:noFill/>
+              </a:ln>
+              <a:solidFill>
+                <a:srgbClr val="FFFFFF"/>
+              </a:solidFill>
+              <a:effectLst/>
+              <a:uFillTx/>
+              <a:latin typeface="+mn-lt"/>
+              <a:ea typeface="+mn-ea"/>
+              <a:cs typeface="+mn-cs"/>
+              <a:sym typeface="DIN Condensed"/>
+            </a:endParaRPr>
+          </a:p>
+        </p:txBody>
+      </p:sp>
+      <p:pic>
+        <p:nvPicPr>
+          <p:cNvPr id="7" name="Grafik 6"/>
+          <p:cNvPicPr>
+            <a:picLocks noChangeAspect="1"/>
+          </p:cNvPicPr>
+          <p:nvPr/>
+        </p:nvPicPr>
+        <p:blipFill>
+          <a:blip r:embed="rId4" cstate="print">
+            <a:extLst>
+              <a:ext uri="{28A0092B-C50C-407E-A947-70E740481C1C}">
+                <a14:useLocalDpi xmlns:a14="http://schemas.microsoft.com/office/drawing/2010/main" val="0"/>
+              </a:ext>
+            </a:extLst>
+          </a:blip>
+          <a:stretch>
+            <a:fillRect/>
+          </a:stretch>
+        </p:blipFill>
+        <p:spPr>
+          <a:xfrm>
+            <a:off x="8562782" y="7526773"/>
+            <a:ext cx="4035618" cy="1432644"/>
+          </a:xfrm>
+          <a:prstGeom prst="rect">
+            <a:avLst/>
+          </a:prstGeom>
+        </p:spPr>
+      </p:pic>
     </p:spTree>
   </p:cSld>
   <p:clrMapOvr>
@@ -9362,6 +10166,185 @@
           </a:p>
         </p:txBody>
       </p:sp>
+      <p:pic>
+        <p:nvPicPr>
+          <p:cNvPr id="5" name="Grafik 4"/>
+          <p:cNvPicPr>
+            <a:picLocks noChangeAspect="1"/>
+          </p:cNvPicPr>
+          <p:nvPr/>
+        </p:nvPicPr>
+        <p:blipFill>
+          <a:blip r:embed="rId3">
+            <a:extLst>
+              <a:ext uri="{28A0092B-C50C-407E-A947-70E740481C1C}">
+                <a14:useLocalDpi xmlns:a14="http://schemas.microsoft.com/office/drawing/2010/main" val="0"/>
+              </a:ext>
+            </a:extLst>
+          </a:blip>
+          <a:stretch>
+            <a:fillRect/>
+          </a:stretch>
+        </p:blipFill>
+        <p:spPr>
+          <a:xfrm>
+            <a:off x="406400" y="7821226"/>
+            <a:ext cx="4854051" cy="1138191"/>
+          </a:xfrm>
+          <a:prstGeom prst="rect">
+            <a:avLst/>
+          </a:prstGeom>
+        </p:spPr>
+      </p:pic>
+      <p:sp>
+        <p:nvSpPr>
+          <p:cNvPr id="6" name="Rechteck 5"/>
+          <p:cNvSpPr/>
+          <p:nvPr/>
+        </p:nvSpPr>
+        <p:spPr>
+          <a:xfrm>
+            <a:off x="406400" y="9174451"/>
+            <a:ext cx="12192000" cy="447302"/>
+          </a:xfrm>
+          <a:prstGeom prst="rect">
+            <a:avLst/>
+          </a:prstGeom>
+          <a:noFill/>
+          <a:ln w="12700" cap="flat">
+            <a:noFill/>
+            <a:miter lim="400000"/>
+          </a:ln>
+          <a:effectLst/>
+          <a:sp3d/>
+        </p:spPr>
+        <p:style>
+          <a:lnRef idx="0">
+            <a:scrgbClr r="0" g="0" b="0"/>
+          </a:lnRef>
+          <a:fillRef idx="0">
+            <a:scrgbClr r="0" g="0" b="0"/>
+          </a:fillRef>
+          <a:effectRef idx="0">
+            <a:scrgbClr r="0" g="0" b="0"/>
+          </a:effectRef>
+          <a:fontRef idx="none"/>
+        </p:style>
+        <p:txBody>
+          <a:bodyPr rot="0" spcFirstLastPara="1" vertOverflow="overflow" horzOverflow="overflow" vert="horz" wrap="square" lIns="50800" tIns="50800" rIns="50800" bIns="50800" numCol="1" spcCol="38100" rtlCol="0" anchor="ctr">
+            <a:spAutoFit/>
+          </a:bodyPr>
+          <a:lstStyle/>
+          <a:p>
+            <a:pPr>
+              <a:lnSpc>
+                <a:spcPct val="80000"/>
+              </a:lnSpc>
+              <a:spcBef>
+                <a:spcPts val="0"/>
+              </a:spcBef>
+            </a:pPr>
+            <a:r>
+              <a:rPr lang="de-DE" sz="2800" dirty="0" smtClean="0">
+                <a:solidFill>
+                  <a:srgbClr val="FFFFFF"/>
+                </a:solidFill>
+                <a:latin typeface="+mn-lt"/>
+                <a:ea typeface="+mn-ea"/>
+                <a:cs typeface="+mn-cs"/>
+                <a:sym typeface="DIN Condensed"/>
+              </a:rPr>
+              <a:t>Andreas </a:t>
+            </a:r>
+            <a:r>
+              <a:rPr lang="de-DE" sz="2800" dirty="0" err="1" smtClean="0">
+                <a:solidFill>
+                  <a:srgbClr val="FFFFFF"/>
+                </a:solidFill>
+                <a:latin typeface="+mn-lt"/>
+                <a:ea typeface="+mn-ea"/>
+                <a:cs typeface="+mn-cs"/>
+                <a:sym typeface="DIN Condensed"/>
+              </a:rPr>
+              <a:t>Nunberger</a:t>
+            </a:r>
+            <a:r>
+              <a:rPr lang="de-DE" sz="2800" dirty="0" smtClean="0">
+                <a:solidFill>
+                  <a:srgbClr val="FFFFFF"/>
+                </a:solidFill>
+                <a:latin typeface="+mn-lt"/>
+                <a:ea typeface="+mn-ea"/>
+                <a:cs typeface="+mn-cs"/>
+                <a:sym typeface="DIN Condensed"/>
+              </a:rPr>
+              <a:t>    			14.02.2017 			</a:t>
+            </a:r>
+            <a:r>
+              <a:rPr lang="de-DE" sz="2800" dirty="0" smtClean="0">
+                <a:solidFill>
+                  <a:srgbClr val="FFFFFF"/>
+                </a:solidFill>
+                <a:sym typeface="DIN Condensed"/>
+              </a:rPr>
+              <a:t>Mario </a:t>
+            </a:r>
+            <a:r>
+              <a:rPr lang="de-DE" sz="2800" dirty="0" err="1" smtClean="0">
+                <a:solidFill>
+                  <a:srgbClr val="FFFFFF"/>
+                </a:solidFill>
+                <a:sym typeface="DIN Condensed"/>
+              </a:rPr>
+              <a:t>Zeindlmeier</a:t>
+            </a:r>
+            <a:endParaRPr kumimoji="0" lang="de-DE" sz="2800" b="0" i="0" u="none" strike="noStrike" spc="0" normalizeH="0" baseline="0" dirty="0">
+              <a:ln>
+                <a:noFill/>
+              </a:ln>
+              <a:solidFill>
+                <a:srgbClr val="FFFFFF"/>
+              </a:solidFill>
+              <a:effectLst/>
+              <a:uFillTx/>
+              <a:latin typeface="+mn-lt"/>
+              <a:ea typeface="+mn-ea"/>
+              <a:cs typeface="+mn-cs"/>
+              <a:sym typeface="DIN Condensed"/>
+            </a:endParaRPr>
+          </a:p>
+        </p:txBody>
+      </p:sp>
+      <p:pic>
+        <p:nvPicPr>
+          <p:cNvPr id="7" name="Grafik 6"/>
+          <p:cNvPicPr>
+            <a:picLocks noChangeAspect="1"/>
+          </p:cNvPicPr>
+          <p:nvPr/>
+        </p:nvPicPr>
+        <p:blipFill>
+          <a:blip r:embed="rId4" cstate="print">
+            <a:extLst>
+              <a:ext uri="{28A0092B-C50C-407E-A947-70E740481C1C}">
+                <a14:useLocalDpi xmlns:a14="http://schemas.microsoft.com/office/drawing/2010/main" val="0"/>
+              </a:ext>
+            </a:extLst>
+          </a:blip>
+          <a:stretch>
+            <a:fillRect/>
+          </a:stretch>
+        </p:blipFill>
+        <p:spPr>
+          <a:xfrm>
+            <a:off x="8562782" y="7526773"/>
+            <a:ext cx="4035618" cy="1432644"/>
+          </a:xfrm>
+          <a:prstGeom prst="rect">
+            <a:avLst/>
+          </a:prstGeom>
+        </p:spPr>
+      </p:pic>
     </p:spTree>
   </p:cSld>
   <p:clrMapOvr>
@@ -9616,61 +10599,6 @@
       </p:grpSpPr>
       <p:sp>
         <p:nvSpPr>
-          <p:cNvPr id="169" name="Shape 169"/>
-          <p:cNvSpPr>
-            <a:spLocks noGrp="1"/>
-          </p:cNvSpPr>
-          <p:nvPr>
-            <p:ph type="body" idx="13"/>
-          </p:nvPr>
-        </p:nvSpPr>
-        <p:spPr>
-          <a:xfrm>
-            <a:off x="406400" y="688697"/>
-            <a:ext cx="11176000" cy="225703"/>
-          </a:xfrm>
-          <a:prstGeom prst="rect">
-            <a:avLst/>
-          </a:prstGeom>
-        </p:spPr>
-        <p:txBody>
-          <a:bodyPr/>
-          <a:lstStyle/>
-          <a:p>
-            <a:r>
-              <a:rPr sz="1000" spc="50" dirty="0" err="1" smtClean="0"/>
-              <a:t>Projektauftrag</a:t>
-            </a:r>
-            <a:r>
-              <a:rPr sz="1000" spc="50" dirty="0" smtClean="0"/>
-              <a:t> </a:t>
-            </a:r>
-            <a:r>
-              <a:rPr sz="1000" spc="50" dirty="0" err="1"/>
-              <a:t>Projektplanung</a:t>
-            </a:r>
-            <a:r>
-              <a:rPr sz="1000" spc="50" dirty="0"/>
-              <a:t> </a:t>
-            </a:r>
-            <a:r>
-              <a:rPr sz="1000" spc="50" dirty="0" err="1"/>
-              <a:t>Projektdurchführung</a:t>
-            </a:r>
-            <a:r>
-              <a:rPr sz="1000" spc="50" dirty="0"/>
-              <a:t> </a:t>
-            </a:r>
-            <a:r>
-              <a:rPr sz="1000" spc="50" dirty="0" err="1"/>
-              <a:t>Projektabschluss</a:t>
-            </a:r>
-            <a:endParaRPr sz="1000" spc="50" dirty="0"/>
-          </a:p>
-        </p:txBody>
-      </p:sp>
-      <p:sp>
-        <p:nvSpPr>
           <p:cNvPr id="170" name="Shape 170"/>
           <p:cNvSpPr>
             <a:spLocks noGrp="1"/>
@@ -9844,6 +10772,204 @@
           </a:p>
         </p:txBody>
       </p:sp>
+      <p:sp>
+        <p:nvSpPr>
+          <p:cNvPr id="2" name="Textplatzhalter 1"/>
+          <p:cNvSpPr>
+            <a:spLocks noGrp="1"/>
+          </p:cNvSpPr>
+          <p:nvPr>
+            <p:ph type="body" sz="quarter" idx="13"/>
+          </p:nvPr>
+        </p:nvSpPr>
+        <p:spPr/>
+        <p:txBody>
+          <a:bodyPr/>
+          <a:lstStyle/>
+          <a:p>
+            <a:endParaRPr lang="de-DE"/>
+          </a:p>
+        </p:txBody>
+      </p:sp>
+      <p:pic>
+        <p:nvPicPr>
+          <p:cNvPr id="4" name="Grafik 3"/>
+          <p:cNvPicPr>
+            <a:picLocks noChangeAspect="1"/>
+          </p:cNvPicPr>
+          <p:nvPr/>
+        </p:nvPicPr>
+        <p:blipFill>
+          <a:blip r:embed="rId2">
+            <a:extLst>
+              <a:ext uri="{28A0092B-C50C-407E-A947-70E740481C1C}">
+                <a14:useLocalDpi xmlns:a14="http://schemas.microsoft.com/office/drawing/2010/main" val="0"/>
+              </a:ext>
+            </a:extLst>
+          </a:blip>
+          <a:stretch>
+            <a:fillRect/>
+          </a:stretch>
+        </p:blipFill>
+        <p:spPr>
+          <a:xfrm>
+            <a:off x="406400" y="7821226"/>
+            <a:ext cx="4854051" cy="1138191"/>
+          </a:xfrm>
+          <a:prstGeom prst="rect">
+            <a:avLst/>
+          </a:prstGeom>
+        </p:spPr>
+      </p:pic>
+      <p:sp>
+        <p:nvSpPr>
+          <p:cNvPr id="5" name="Rechteck 4"/>
+          <p:cNvSpPr/>
+          <p:nvPr/>
+        </p:nvSpPr>
+        <p:spPr>
+          <a:xfrm>
+            <a:off x="406400" y="9174451"/>
+            <a:ext cx="12192000" cy="447302"/>
+          </a:xfrm>
+          <a:prstGeom prst="rect">
+            <a:avLst/>
+          </a:prstGeom>
+          <a:noFill/>
+          <a:ln w="12700" cap="flat">
+            <a:noFill/>
+            <a:miter lim="400000"/>
+          </a:ln>
+          <a:effectLst/>
+          <a:sp3d/>
+        </p:spPr>
+        <p:style>
+          <a:lnRef idx="0">
+            <a:scrgbClr r="0" g="0" b="0"/>
+          </a:lnRef>
+          <a:fillRef idx="0">
+            <a:scrgbClr r="0" g="0" b="0"/>
+          </a:fillRef>
+          <a:effectRef idx="0">
+            <a:scrgbClr r="0" g="0" b="0"/>
+          </a:effectRef>
+          <a:fontRef idx="none"/>
+        </p:style>
+        <p:txBody>
+          <a:bodyPr rot="0" spcFirstLastPara="1" vertOverflow="overflow" horzOverflow="overflow" vert="horz" wrap="square" lIns="50800" tIns="50800" rIns="50800" bIns="50800" numCol="1" spcCol="38100" rtlCol="0" anchor="ctr">
+            <a:spAutoFit/>
+          </a:bodyPr>
+          <a:lstStyle/>
+          <a:p>
+            <a:pPr>
+              <a:lnSpc>
+                <a:spcPct val="80000"/>
+              </a:lnSpc>
+              <a:spcBef>
+                <a:spcPts val="0"/>
+              </a:spcBef>
+            </a:pPr>
+            <a:r>
+              <a:rPr lang="de-DE" sz="2800" dirty="0" smtClean="0">
+                <a:solidFill>
+                  <a:srgbClr val="FFFFFF"/>
+                </a:solidFill>
+                <a:latin typeface="+mn-lt"/>
+                <a:ea typeface="+mn-ea"/>
+                <a:cs typeface="+mn-cs"/>
+                <a:sym typeface="DIN Condensed"/>
+              </a:rPr>
+              <a:t>Andreas </a:t>
+            </a:r>
+            <a:r>
+              <a:rPr lang="de-DE" sz="2800" dirty="0" err="1" smtClean="0">
+                <a:solidFill>
+                  <a:srgbClr val="FFFFFF"/>
+                </a:solidFill>
+                <a:latin typeface="+mn-lt"/>
+                <a:ea typeface="+mn-ea"/>
+                <a:cs typeface="+mn-cs"/>
+                <a:sym typeface="DIN Condensed"/>
+              </a:rPr>
+              <a:t>Nunberger</a:t>
+            </a:r>
+            <a:r>
+              <a:rPr lang="de-DE" sz="2800" dirty="0" smtClean="0">
+                <a:solidFill>
+                  <a:srgbClr val="FFFFFF"/>
+                </a:solidFill>
+                <a:latin typeface="+mn-lt"/>
+                <a:ea typeface="+mn-ea"/>
+                <a:cs typeface="+mn-cs"/>
+                <a:sym typeface="DIN Condensed"/>
+              </a:rPr>
+              <a:t>    			14.02.2017 			</a:t>
+            </a:r>
+            <a:r>
+              <a:rPr lang="de-DE" sz="2800" dirty="0" smtClean="0">
+                <a:solidFill>
+                  <a:srgbClr val="FFFFFF"/>
+                </a:solidFill>
+                <a:sym typeface="DIN Condensed"/>
+              </a:rPr>
+              <a:t>Mario </a:t>
+            </a:r>
+            <a:r>
+              <a:rPr lang="de-DE" sz="2800" dirty="0" err="1" smtClean="0">
+                <a:solidFill>
+                  <a:srgbClr val="FFFFFF"/>
+                </a:solidFill>
+                <a:sym typeface="DIN Condensed"/>
+              </a:rPr>
+              <a:t>Zeindlmeier</a:t>
+            </a:r>
+            <a:endParaRPr kumimoji="0" lang="de-DE" sz="2800" b="0" i="0" u="none" strike="noStrike" spc="0" normalizeH="0" baseline="0" dirty="0">
+              <a:ln>
+                <a:noFill/>
+              </a:ln>
+              <a:solidFill>
+                <a:srgbClr val="FFFFFF"/>
+              </a:solidFill>
+              <a:effectLst/>
+              <a:uFillTx/>
+              <a:latin typeface="+mn-lt"/>
+              <a:ea typeface="+mn-ea"/>
+              <a:cs typeface="+mn-cs"/>
+              <a:sym typeface="DIN Condensed"/>
+            </a:endParaRPr>
+          </a:p>
+        </p:txBody>
+      </p:sp>
+      <p:pic>
+        <p:nvPicPr>
+          <p:cNvPr id="9" name="Grafik 8"/>
+          <p:cNvPicPr>
+            <a:picLocks noChangeAspect="1"/>
+          </p:cNvPicPr>
+          <p:nvPr/>
+        </p:nvPicPr>
+        <p:blipFill>
+          <a:blip r:embed="rId3" cstate="print">
+            <a:extLst>
+              <a:ext uri="{28A0092B-C50C-407E-A947-70E740481C1C}">
+                <a14:useLocalDpi xmlns:a14="http://schemas.microsoft.com/office/drawing/2010/main" val="0"/>
+              </a:ext>
+            </a:extLst>
+          </a:blip>
+          <a:stretch>
+            <a:fillRect/>
+          </a:stretch>
+        </p:blipFill>
+        <p:spPr>
+          <a:xfrm>
+            <a:off x="8562782" y="7419256"/>
+            <a:ext cx="4035618" cy="1432644"/>
+          </a:xfrm>
+          <a:prstGeom prst="rect">
+            <a:avLst/>
+          </a:prstGeom>
+        </p:spPr>
+      </p:pic>
     </p:spTree>
   </p:cSld>
   <p:clrMapOvr>
@@ -10312,6 +11438,185 @@
           </a:p>
         </p:txBody>
       </p:sp>
+      <p:pic>
+        <p:nvPicPr>
+          <p:cNvPr id="6" name="Grafik 5"/>
+          <p:cNvPicPr>
+            <a:picLocks noChangeAspect="1"/>
+          </p:cNvPicPr>
+          <p:nvPr/>
+        </p:nvPicPr>
+        <p:blipFill>
+          <a:blip r:embed="rId2">
+            <a:extLst>
+              <a:ext uri="{28A0092B-C50C-407E-A947-70E740481C1C}">
+                <a14:useLocalDpi xmlns:a14="http://schemas.microsoft.com/office/drawing/2010/main" val="0"/>
+              </a:ext>
+            </a:extLst>
+          </a:blip>
+          <a:stretch>
+            <a:fillRect/>
+          </a:stretch>
+        </p:blipFill>
+        <p:spPr>
+          <a:xfrm>
+            <a:off x="406400" y="7821226"/>
+            <a:ext cx="4854051" cy="1138191"/>
+          </a:xfrm>
+          <a:prstGeom prst="rect">
+            <a:avLst/>
+          </a:prstGeom>
+        </p:spPr>
+      </p:pic>
+      <p:sp>
+        <p:nvSpPr>
+          <p:cNvPr id="7" name="Rechteck 6"/>
+          <p:cNvSpPr/>
+          <p:nvPr/>
+        </p:nvSpPr>
+        <p:spPr>
+          <a:xfrm>
+            <a:off x="406400" y="9174451"/>
+            <a:ext cx="12192000" cy="447302"/>
+          </a:xfrm>
+          <a:prstGeom prst="rect">
+            <a:avLst/>
+          </a:prstGeom>
+          <a:noFill/>
+          <a:ln w="12700" cap="flat">
+            <a:noFill/>
+            <a:miter lim="400000"/>
+          </a:ln>
+          <a:effectLst/>
+          <a:sp3d/>
+        </p:spPr>
+        <p:style>
+          <a:lnRef idx="0">
+            <a:scrgbClr r="0" g="0" b="0"/>
+          </a:lnRef>
+          <a:fillRef idx="0">
+            <a:scrgbClr r="0" g="0" b="0"/>
+          </a:fillRef>
+          <a:effectRef idx="0">
+            <a:scrgbClr r="0" g="0" b="0"/>
+          </a:effectRef>
+          <a:fontRef idx="none"/>
+        </p:style>
+        <p:txBody>
+          <a:bodyPr rot="0" spcFirstLastPara="1" vertOverflow="overflow" horzOverflow="overflow" vert="horz" wrap="square" lIns="50800" tIns="50800" rIns="50800" bIns="50800" numCol="1" spcCol="38100" rtlCol="0" anchor="ctr">
+            <a:spAutoFit/>
+          </a:bodyPr>
+          <a:lstStyle/>
+          <a:p>
+            <a:pPr>
+              <a:lnSpc>
+                <a:spcPct val="80000"/>
+              </a:lnSpc>
+              <a:spcBef>
+                <a:spcPts val="0"/>
+              </a:spcBef>
+            </a:pPr>
+            <a:r>
+              <a:rPr lang="de-DE" sz="2800" dirty="0" smtClean="0">
+                <a:solidFill>
+                  <a:srgbClr val="FFFFFF"/>
+                </a:solidFill>
+                <a:latin typeface="+mn-lt"/>
+                <a:ea typeface="+mn-ea"/>
+                <a:cs typeface="+mn-cs"/>
+                <a:sym typeface="DIN Condensed"/>
+              </a:rPr>
+              <a:t>Andreas </a:t>
+            </a:r>
+            <a:r>
+              <a:rPr lang="de-DE" sz="2800" dirty="0" err="1" smtClean="0">
+                <a:solidFill>
+                  <a:srgbClr val="FFFFFF"/>
+                </a:solidFill>
+                <a:latin typeface="+mn-lt"/>
+                <a:ea typeface="+mn-ea"/>
+                <a:cs typeface="+mn-cs"/>
+                <a:sym typeface="DIN Condensed"/>
+              </a:rPr>
+              <a:t>Nunberger</a:t>
+            </a:r>
+            <a:r>
+              <a:rPr lang="de-DE" sz="2800" dirty="0" smtClean="0">
+                <a:solidFill>
+                  <a:srgbClr val="FFFFFF"/>
+                </a:solidFill>
+                <a:latin typeface="+mn-lt"/>
+                <a:ea typeface="+mn-ea"/>
+                <a:cs typeface="+mn-cs"/>
+                <a:sym typeface="DIN Condensed"/>
+              </a:rPr>
+              <a:t>    			14.02.2017 			</a:t>
+            </a:r>
+            <a:r>
+              <a:rPr lang="de-DE" sz="2800" dirty="0" smtClean="0">
+                <a:solidFill>
+                  <a:srgbClr val="FFFFFF"/>
+                </a:solidFill>
+                <a:sym typeface="DIN Condensed"/>
+              </a:rPr>
+              <a:t>Mario </a:t>
+            </a:r>
+            <a:r>
+              <a:rPr lang="de-DE" sz="2800" dirty="0" err="1" smtClean="0">
+                <a:solidFill>
+                  <a:srgbClr val="FFFFFF"/>
+                </a:solidFill>
+                <a:sym typeface="DIN Condensed"/>
+              </a:rPr>
+              <a:t>Zeindlmeier</a:t>
+            </a:r>
+            <a:endParaRPr kumimoji="0" lang="de-DE" sz="2800" b="0" i="0" u="none" strike="noStrike" spc="0" normalizeH="0" baseline="0" dirty="0">
+              <a:ln>
+                <a:noFill/>
+              </a:ln>
+              <a:solidFill>
+                <a:srgbClr val="FFFFFF"/>
+              </a:solidFill>
+              <a:effectLst/>
+              <a:uFillTx/>
+              <a:latin typeface="+mn-lt"/>
+              <a:ea typeface="+mn-ea"/>
+              <a:cs typeface="+mn-cs"/>
+              <a:sym typeface="DIN Condensed"/>
+            </a:endParaRPr>
+          </a:p>
+        </p:txBody>
+      </p:sp>
+      <p:pic>
+        <p:nvPicPr>
+          <p:cNvPr id="9" name="Grafik 8"/>
+          <p:cNvPicPr>
+            <a:picLocks noChangeAspect="1"/>
+          </p:cNvPicPr>
+          <p:nvPr/>
+        </p:nvPicPr>
+        <p:blipFill>
+          <a:blip r:embed="rId3" cstate="print">
+            <a:extLst>
+              <a:ext uri="{28A0092B-C50C-407E-A947-70E740481C1C}">
+                <a14:useLocalDpi xmlns:a14="http://schemas.microsoft.com/office/drawing/2010/main" val="0"/>
+              </a:ext>
+            </a:extLst>
+          </a:blip>
+          <a:stretch>
+            <a:fillRect/>
+          </a:stretch>
+        </p:blipFill>
+        <p:spPr>
+          <a:xfrm>
+            <a:off x="8562782" y="7425606"/>
+            <a:ext cx="4035618" cy="1432644"/>
+          </a:xfrm>
+          <a:prstGeom prst="rect">
+            <a:avLst/>
+          </a:prstGeom>
+        </p:spPr>
+      </p:pic>
     </p:spTree>
   </p:cSld>
   <p:clrMapOvr>
@@ -10911,6 +12216,185 @@
           </a:p>
         </p:txBody>
       </p:sp>
+      <p:pic>
+        <p:nvPicPr>
+          <p:cNvPr id="6" name="Grafik 5"/>
+          <p:cNvPicPr>
+            <a:picLocks noChangeAspect="1"/>
+          </p:cNvPicPr>
+          <p:nvPr/>
+        </p:nvPicPr>
+        <p:blipFill>
+          <a:blip r:embed="rId3">
+            <a:extLst>
+              <a:ext uri="{28A0092B-C50C-407E-A947-70E740481C1C}">
+                <a14:useLocalDpi xmlns:a14="http://schemas.microsoft.com/office/drawing/2010/main" val="0"/>
+              </a:ext>
+            </a:extLst>
+          </a:blip>
+          <a:stretch>
+            <a:fillRect/>
+          </a:stretch>
+        </p:blipFill>
+        <p:spPr>
+          <a:xfrm>
+            <a:off x="406400" y="7821226"/>
+            <a:ext cx="4854051" cy="1138191"/>
+          </a:xfrm>
+          <a:prstGeom prst="rect">
+            <a:avLst/>
+          </a:prstGeom>
+        </p:spPr>
+      </p:pic>
+      <p:sp>
+        <p:nvSpPr>
+          <p:cNvPr id="7" name="Rechteck 6"/>
+          <p:cNvSpPr/>
+          <p:nvPr/>
+        </p:nvSpPr>
+        <p:spPr>
+          <a:xfrm>
+            <a:off x="406400" y="9174451"/>
+            <a:ext cx="12192000" cy="447302"/>
+          </a:xfrm>
+          <a:prstGeom prst="rect">
+            <a:avLst/>
+          </a:prstGeom>
+          <a:noFill/>
+          <a:ln w="12700" cap="flat">
+            <a:noFill/>
+            <a:miter lim="400000"/>
+          </a:ln>
+          <a:effectLst/>
+          <a:sp3d/>
+        </p:spPr>
+        <p:style>
+          <a:lnRef idx="0">
+            <a:scrgbClr r="0" g="0" b="0"/>
+          </a:lnRef>
+          <a:fillRef idx="0">
+            <a:scrgbClr r="0" g="0" b="0"/>
+          </a:fillRef>
+          <a:effectRef idx="0">
+            <a:scrgbClr r="0" g="0" b="0"/>
+          </a:effectRef>
+          <a:fontRef idx="none"/>
+        </p:style>
+        <p:txBody>
+          <a:bodyPr rot="0" spcFirstLastPara="1" vertOverflow="overflow" horzOverflow="overflow" vert="horz" wrap="square" lIns="50800" tIns="50800" rIns="50800" bIns="50800" numCol="1" spcCol="38100" rtlCol="0" anchor="ctr">
+            <a:spAutoFit/>
+          </a:bodyPr>
+          <a:lstStyle/>
+          <a:p>
+            <a:pPr>
+              <a:lnSpc>
+                <a:spcPct val="80000"/>
+              </a:lnSpc>
+              <a:spcBef>
+                <a:spcPts val="0"/>
+              </a:spcBef>
+            </a:pPr>
+            <a:r>
+              <a:rPr lang="de-DE" sz="2800" dirty="0" smtClean="0">
+                <a:solidFill>
+                  <a:srgbClr val="FFFFFF"/>
+                </a:solidFill>
+                <a:latin typeface="+mn-lt"/>
+                <a:ea typeface="+mn-ea"/>
+                <a:cs typeface="+mn-cs"/>
+                <a:sym typeface="DIN Condensed"/>
+              </a:rPr>
+              <a:t>Andreas </a:t>
+            </a:r>
+            <a:r>
+              <a:rPr lang="de-DE" sz="2800" dirty="0" err="1" smtClean="0">
+                <a:solidFill>
+                  <a:srgbClr val="FFFFFF"/>
+                </a:solidFill>
+                <a:latin typeface="+mn-lt"/>
+                <a:ea typeface="+mn-ea"/>
+                <a:cs typeface="+mn-cs"/>
+                <a:sym typeface="DIN Condensed"/>
+              </a:rPr>
+              <a:t>Nunberger</a:t>
+            </a:r>
+            <a:r>
+              <a:rPr lang="de-DE" sz="2800" dirty="0" smtClean="0">
+                <a:solidFill>
+                  <a:srgbClr val="FFFFFF"/>
+                </a:solidFill>
+                <a:latin typeface="+mn-lt"/>
+                <a:ea typeface="+mn-ea"/>
+                <a:cs typeface="+mn-cs"/>
+                <a:sym typeface="DIN Condensed"/>
+              </a:rPr>
+              <a:t>    			14.02.2017 			</a:t>
+            </a:r>
+            <a:r>
+              <a:rPr lang="de-DE" sz="2800" dirty="0" smtClean="0">
+                <a:solidFill>
+                  <a:srgbClr val="FFFFFF"/>
+                </a:solidFill>
+                <a:sym typeface="DIN Condensed"/>
+              </a:rPr>
+              <a:t>Mario </a:t>
+            </a:r>
+            <a:r>
+              <a:rPr lang="de-DE" sz="2800" dirty="0" err="1" smtClean="0">
+                <a:solidFill>
+                  <a:srgbClr val="FFFFFF"/>
+                </a:solidFill>
+                <a:sym typeface="DIN Condensed"/>
+              </a:rPr>
+              <a:t>Zeindlmeier</a:t>
+            </a:r>
+            <a:endParaRPr kumimoji="0" lang="de-DE" sz="2800" b="0" i="0" u="none" strike="noStrike" spc="0" normalizeH="0" baseline="0" dirty="0">
+              <a:ln>
+                <a:noFill/>
+              </a:ln>
+              <a:solidFill>
+                <a:srgbClr val="FFFFFF"/>
+              </a:solidFill>
+              <a:effectLst/>
+              <a:uFillTx/>
+              <a:latin typeface="+mn-lt"/>
+              <a:ea typeface="+mn-ea"/>
+              <a:cs typeface="+mn-cs"/>
+              <a:sym typeface="DIN Condensed"/>
+            </a:endParaRPr>
+          </a:p>
+        </p:txBody>
+      </p:sp>
+      <p:pic>
+        <p:nvPicPr>
+          <p:cNvPr id="8" name="Grafik 7"/>
+          <p:cNvPicPr>
+            <a:picLocks noChangeAspect="1"/>
+          </p:cNvPicPr>
+          <p:nvPr/>
+        </p:nvPicPr>
+        <p:blipFill>
+          <a:blip r:embed="rId4" cstate="print">
+            <a:extLst>
+              <a:ext uri="{28A0092B-C50C-407E-A947-70E740481C1C}">
+                <a14:useLocalDpi xmlns:a14="http://schemas.microsoft.com/office/drawing/2010/main" val="0"/>
+              </a:ext>
+            </a:extLst>
+          </a:blip>
+          <a:stretch>
+            <a:fillRect/>
+          </a:stretch>
+        </p:blipFill>
+        <p:spPr>
+          <a:xfrm>
+            <a:off x="8562782" y="7419256"/>
+            <a:ext cx="4035618" cy="1432644"/>
+          </a:xfrm>
+          <a:prstGeom prst="rect">
+            <a:avLst/>
+          </a:prstGeom>
+        </p:spPr>
+      </p:pic>
     </p:spTree>
   </p:cSld>
   <p:clrMapOvr>
@@ -11585,6 +13069,185 @@
           </a:p>
         </p:txBody>
       </p:sp>
+      <p:pic>
+        <p:nvPicPr>
+          <p:cNvPr id="6" name="Grafik 5"/>
+          <p:cNvPicPr>
+            <a:picLocks noChangeAspect="1"/>
+          </p:cNvPicPr>
+          <p:nvPr/>
+        </p:nvPicPr>
+        <p:blipFill>
+          <a:blip r:embed="rId3">
+            <a:extLst>
+              <a:ext uri="{28A0092B-C50C-407E-A947-70E740481C1C}">
+                <a14:useLocalDpi xmlns:a14="http://schemas.microsoft.com/office/drawing/2010/main" val="0"/>
+              </a:ext>
+            </a:extLst>
+          </a:blip>
+          <a:stretch>
+            <a:fillRect/>
+          </a:stretch>
+        </p:blipFill>
+        <p:spPr>
+          <a:xfrm>
+            <a:off x="406400" y="7821226"/>
+            <a:ext cx="4854051" cy="1138191"/>
+          </a:xfrm>
+          <a:prstGeom prst="rect">
+            <a:avLst/>
+          </a:prstGeom>
+        </p:spPr>
+      </p:pic>
+      <p:sp>
+        <p:nvSpPr>
+          <p:cNvPr id="7" name="Rechteck 6"/>
+          <p:cNvSpPr/>
+          <p:nvPr/>
+        </p:nvSpPr>
+        <p:spPr>
+          <a:xfrm>
+            <a:off x="406400" y="9174451"/>
+            <a:ext cx="12192000" cy="447302"/>
+          </a:xfrm>
+          <a:prstGeom prst="rect">
+            <a:avLst/>
+          </a:prstGeom>
+          <a:noFill/>
+          <a:ln w="12700" cap="flat">
+            <a:noFill/>
+            <a:miter lim="400000"/>
+          </a:ln>
+          <a:effectLst/>
+          <a:sp3d/>
+        </p:spPr>
+        <p:style>
+          <a:lnRef idx="0">
+            <a:scrgbClr r="0" g="0" b="0"/>
+          </a:lnRef>
+          <a:fillRef idx="0">
+            <a:scrgbClr r="0" g="0" b="0"/>
+          </a:fillRef>
+          <a:effectRef idx="0">
+            <a:scrgbClr r="0" g="0" b="0"/>
+          </a:effectRef>
+          <a:fontRef idx="none"/>
+        </p:style>
+        <p:txBody>
+          <a:bodyPr rot="0" spcFirstLastPara="1" vertOverflow="overflow" horzOverflow="overflow" vert="horz" wrap="square" lIns="50800" tIns="50800" rIns="50800" bIns="50800" numCol="1" spcCol="38100" rtlCol="0" anchor="ctr">
+            <a:spAutoFit/>
+          </a:bodyPr>
+          <a:lstStyle/>
+          <a:p>
+            <a:pPr>
+              <a:lnSpc>
+                <a:spcPct val="80000"/>
+              </a:lnSpc>
+              <a:spcBef>
+                <a:spcPts val="0"/>
+              </a:spcBef>
+            </a:pPr>
+            <a:r>
+              <a:rPr lang="de-DE" sz="2800" dirty="0" smtClean="0">
+                <a:solidFill>
+                  <a:srgbClr val="FFFFFF"/>
+                </a:solidFill>
+                <a:latin typeface="+mn-lt"/>
+                <a:ea typeface="+mn-ea"/>
+                <a:cs typeface="+mn-cs"/>
+                <a:sym typeface="DIN Condensed"/>
+              </a:rPr>
+              <a:t>Andreas </a:t>
+            </a:r>
+            <a:r>
+              <a:rPr lang="de-DE" sz="2800" dirty="0" err="1" smtClean="0">
+                <a:solidFill>
+                  <a:srgbClr val="FFFFFF"/>
+                </a:solidFill>
+                <a:latin typeface="+mn-lt"/>
+                <a:ea typeface="+mn-ea"/>
+                <a:cs typeface="+mn-cs"/>
+                <a:sym typeface="DIN Condensed"/>
+              </a:rPr>
+              <a:t>Nunberger</a:t>
+            </a:r>
+            <a:r>
+              <a:rPr lang="de-DE" sz="2800" dirty="0" smtClean="0">
+                <a:solidFill>
+                  <a:srgbClr val="FFFFFF"/>
+                </a:solidFill>
+                <a:latin typeface="+mn-lt"/>
+                <a:ea typeface="+mn-ea"/>
+                <a:cs typeface="+mn-cs"/>
+                <a:sym typeface="DIN Condensed"/>
+              </a:rPr>
+              <a:t>    			14.02.2017 			</a:t>
+            </a:r>
+            <a:r>
+              <a:rPr lang="de-DE" sz="2800" dirty="0" smtClean="0">
+                <a:solidFill>
+                  <a:srgbClr val="FFFFFF"/>
+                </a:solidFill>
+                <a:sym typeface="DIN Condensed"/>
+              </a:rPr>
+              <a:t>Mario </a:t>
+            </a:r>
+            <a:r>
+              <a:rPr lang="de-DE" sz="2800" dirty="0" err="1" smtClean="0">
+                <a:solidFill>
+                  <a:srgbClr val="FFFFFF"/>
+                </a:solidFill>
+                <a:sym typeface="DIN Condensed"/>
+              </a:rPr>
+              <a:t>Zeindlmeier</a:t>
+            </a:r>
+            <a:endParaRPr kumimoji="0" lang="de-DE" sz="2800" b="0" i="0" u="none" strike="noStrike" spc="0" normalizeH="0" baseline="0" dirty="0">
+              <a:ln>
+                <a:noFill/>
+              </a:ln>
+              <a:solidFill>
+                <a:srgbClr val="FFFFFF"/>
+              </a:solidFill>
+              <a:effectLst/>
+              <a:uFillTx/>
+              <a:latin typeface="+mn-lt"/>
+              <a:ea typeface="+mn-ea"/>
+              <a:cs typeface="+mn-cs"/>
+              <a:sym typeface="DIN Condensed"/>
+            </a:endParaRPr>
+          </a:p>
+        </p:txBody>
+      </p:sp>
+      <p:pic>
+        <p:nvPicPr>
+          <p:cNvPr id="8" name="Grafik 7"/>
+          <p:cNvPicPr>
+            <a:picLocks noChangeAspect="1"/>
+          </p:cNvPicPr>
+          <p:nvPr/>
+        </p:nvPicPr>
+        <p:blipFill>
+          <a:blip r:embed="rId4" cstate="print">
+            <a:extLst>
+              <a:ext uri="{28A0092B-C50C-407E-A947-70E740481C1C}">
+                <a14:useLocalDpi xmlns:a14="http://schemas.microsoft.com/office/drawing/2010/main" val="0"/>
+              </a:ext>
+            </a:extLst>
+          </a:blip>
+          <a:stretch>
+            <a:fillRect/>
+          </a:stretch>
+        </p:blipFill>
+        <p:spPr>
+          <a:xfrm>
+            <a:off x="8562782" y="7425606"/>
+            <a:ext cx="4035618" cy="1432644"/>
+          </a:xfrm>
+          <a:prstGeom prst="rect">
+            <a:avLst/>
+          </a:prstGeom>
+        </p:spPr>
+      </p:pic>
     </p:spTree>
   </p:cSld>
   <p:clrMapOvr>
@@ -12501,6 +14164,185 @@
           </a:p>
         </p:txBody>
       </p:sp>
+      <p:pic>
+        <p:nvPicPr>
+          <p:cNvPr id="6" name="Grafik 5"/>
+          <p:cNvPicPr>
+            <a:picLocks noChangeAspect="1"/>
+          </p:cNvPicPr>
+          <p:nvPr/>
+        </p:nvPicPr>
+        <p:blipFill>
+          <a:blip r:embed="rId2">
+            <a:extLst>
+              <a:ext uri="{28A0092B-C50C-407E-A947-70E740481C1C}">
+                <a14:useLocalDpi xmlns:a14="http://schemas.microsoft.com/office/drawing/2010/main" val="0"/>
+              </a:ext>
+            </a:extLst>
+          </a:blip>
+          <a:stretch>
+            <a:fillRect/>
+          </a:stretch>
+        </p:blipFill>
+        <p:spPr>
+          <a:xfrm>
+            <a:off x="406400" y="7821226"/>
+            <a:ext cx="4854051" cy="1138191"/>
+          </a:xfrm>
+          <a:prstGeom prst="rect">
+            <a:avLst/>
+          </a:prstGeom>
+        </p:spPr>
+      </p:pic>
+      <p:sp>
+        <p:nvSpPr>
+          <p:cNvPr id="7" name="Rechteck 6"/>
+          <p:cNvSpPr/>
+          <p:nvPr/>
+        </p:nvSpPr>
+        <p:spPr>
+          <a:xfrm>
+            <a:off x="406400" y="9174451"/>
+            <a:ext cx="12192000" cy="447302"/>
+          </a:xfrm>
+          <a:prstGeom prst="rect">
+            <a:avLst/>
+          </a:prstGeom>
+          <a:noFill/>
+          <a:ln w="12700" cap="flat">
+            <a:noFill/>
+            <a:miter lim="400000"/>
+          </a:ln>
+          <a:effectLst/>
+          <a:sp3d/>
+        </p:spPr>
+        <p:style>
+          <a:lnRef idx="0">
+            <a:scrgbClr r="0" g="0" b="0"/>
+          </a:lnRef>
+          <a:fillRef idx="0">
+            <a:scrgbClr r="0" g="0" b="0"/>
+          </a:fillRef>
+          <a:effectRef idx="0">
+            <a:scrgbClr r="0" g="0" b="0"/>
+          </a:effectRef>
+          <a:fontRef idx="none"/>
+        </p:style>
+        <p:txBody>
+          <a:bodyPr rot="0" spcFirstLastPara="1" vertOverflow="overflow" horzOverflow="overflow" vert="horz" wrap="square" lIns="50800" tIns="50800" rIns="50800" bIns="50800" numCol="1" spcCol="38100" rtlCol="0" anchor="ctr">
+            <a:spAutoFit/>
+          </a:bodyPr>
+          <a:lstStyle/>
+          <a:p>
+            <a:pPr>
+              <a:lnSpc>
+                <a:spcPct val="80000"/>
+              </a:lnSpc>
+              <a:spcBef>
+                <a:spcPts val="0"/>
+              </a:spcBef>
+            </a:pPr>
+            <a:r>
+              <a:rPr lang="de-DE" sz="2800" dirty="0" smtClean="0">
+                <a:solidFill>
+                  <a:srgbClr val="FFFFFF"/>
+                </a:solidFill>
+                <a:latin typeface="+mn-lt"/>
+                <a:ea typeface="+mn-ea"/>
+                <a:cs typeface="+mn-cs"/>
+                <a:sym typeface="DIN Condensed"/>
+              </a:rPr>
+              <a:t>Andreas </a:t>
+            </a:r>
+            <a:r>
+              <a:rPr lang="de-DE" sz="2800" dirty="0" err="1" smtClean="0">
+                <a:solidFill>
+                  <a:srgbClr val="FFFFFF"/>
+                </a:solidFill>
+                <a:latin typeface="+mn-lt"/>
+                <a:ea typeface="+mn-ea"/>
+                <a:cs typeface="+mn-cs"/>
+                <a:sym typeface="DIN Condensed"/>
+              </a:rPr>
+              <a:t>Nunberger</a:t>
+            </a:r>
+            <a:r>
+              <a:rPr lang="de-DE" sz="2800" dirty="0" smtClean="0">
+                <a:solidFill>
+                  <a:srgbClr val="FFFFFF"/>
+                </a:solidFill>
+                <a:latin typeface="+mn-lt"/>
+                <a:ea typeface="+mn-ea"/>
+                <a:cs typeface="+mn-cs"/>
+                <a:sym typeface="DIN Condensed"/>
+              </a:rPr>
+              <a:t>    			14.02.2017 			</a:t>
+            </a:r>
+            <a:r>
+              <a:rPr lang="de-DE" sz="2800" dirty="0" smtClean="0">
+                <a:solidFill>
+                  <a:srgbClr val="FFFFFF"/>
+                </a:solidFill>
+                <a:sym typeface="DIN Condensed"/>
+              </a:rPr>
+              <a:t>Mario </a:t>
+            </a:r>
+            <a:r>
+              <a:rPr lang="de-DE" sz="2800" dirty="0" err="1" smtClean="0">
+                <a:solidFill>
+                  <a:srgbClr val="FFFFFF"/>
+                </a:solidFill>
+                <a:sym typeface="DIN Condensed"/>
+              </a:rPr>
+              <a:t>Zeindlmeier</a:t>
+            </a:r>
+            <a:endParaRPr kumimoji="0" lang="de-DE" sz="2800" b="0" i="0" u="none" strike="noStrike" spc="0" normalizeH="0" baseline="0" dirty="0">
+              <a:ln>
+                <a:noFill/>
+              </a:ln>
+              <a:solidFill>
+                <a:srgbClr val="FFFFFF"/>
+              </a:solidFill>
+              <a:effectLst/>
+              <a:uFillTx/>
+              <a:latin typeface="+mn-lt"/>
+              <a:ea typeface="+mn-ea"/>
+              <a:cs typeface="+mn-cs"/>
+              <a:sym typeface="DIN Condensed"/>
+            </a:endParaRPr>
+          </a:p>
+        </p:txBody>
+      </p:sp>
+      <p:pic>
+        <p:nvPicPr>
+          <p:cNvPr id="9" name="Grafik 8"/>
+          <p:cNvPicPr>
+            <a:picLocks noChangeAspect="1"/>
+          </p:cNvPicPr>
+          <p:nvPr/>
+        </p:nvPicPr>
+        <p:blipFill>
+          <a:blip r:embed="rId3" cstate="print">
+            <a:extLst>
+              <a:ext uri="{28A0092B-C50C-407E-A947-70E740481C1C}">
+                <a14:useLocalDpi xmlns:a14="http://schemas.microsoft.com/office/drawing/2010/main" val="0"/>
+              </a:ext>
+            </a:extLst>
+          </a:blip>
+          <a:stretch>
+            <a:fillRect/>
+          </a:stretch>
+        </p:blipFill>
+        <p:spPr>
+          <a:xfrm>
+            <a:off x="8562782" y="7425606"/>
+            <a:ext cx="4035618" cy="1432644"/>
+          </a:xfrm>
+          <a:prstGeom prst="rect">
+            <a:avLst/>
+          </a:prstGeom>
+        </p:spPr>
+      </p:pic>
     </p:spTree>
   </p:cSld>
   <p:clrMapOvr>
@@ -13133,6 +14975,185 @@
           </a:p>
         </p:txBody>
       </p:sp>
+      <p:pic>
+        <p:nvPicPr>
+          <p:cNvPr id="6" name="Grafik 5"/>
+          <p:cNvPicPr>
+            <a:picLocks noChangeAspect="1"/>
+          </p:cNvPicPr>
+          <p:nvPr/>
+        </p:nvPicPr>
+        <p:blipFill>
+          <a:blip r:embed="rId3">
+            <a:extLst>
+              <a:ext uri="{28A0092B-C50C-407E-A947-70E740481C1C}">
+                <a14:useLocalDpi xmlns:a14="http://schemas.microsoft.com/office/drawing/2010/main" val="0"/>
+              </a:ext>
+            </a:extLst>
+          </a:blip>
+          <a:stretch>
+            <a:fillRect/>
+          </a:stretch>
+        </p:blipFill>
+        <p:spPr>
+          <a:xfrm>
+            <a:off x="406400" y="7821226"/>
+            <a:ext cx="4854051" cy="1138191"/>
+          </a:xfrm>
+          <a:prstGeom prst="rect">
+            <a:avLst/>
+          </a:prstGeom>
+        </p:spPr>
+      </p:pic>
+      <p:sp>
+        <p:nvSpPr>
+          <p:cNvPr id="7" name="Rechteck 6"/>
+          <p:cNvSpPr/>
+          <p:nvPr/>
+        </p:nvSpPr>
+        <p:spPr>
+          <a:xfrm>
+            <a:off x="406400" y="9174451"/>
+            <a:ext cx="12192000" cy="447302"/>
+          </a:xfrm>
+          <a:prstGeom prst="rect">
+            <a:avLst/>
+          </a:prstGeom>
+          <a:noFill/>
+          <a:ln w="12700" cap="flat">
+            <a:noFill/>
+            <a:miter lim="400000"/>
+          </a:ln>
+          <a:effectLst/>
+          <a:sp3d/>
+        </p:spPr>
+        <p:style>
+          <a:lnRef idx="0">
+            <a:scrgbClr r="0" g="0" b="0"/>
+          </a:lnRef>
+          <a:fillRef idx="0">
+            <a:scrgbClr r="0" g="0" b="0"/>
+          </a:fillRef>
+          <a:effectRef idx="0">
+            <a:scrgbClr r="0" g="0" b="0"/>
+          </a:effectRef>
+          <a:fontRef idx="none"/>
+        </p:style>
+        <p:txBody>
+          <a:bodyPr rot="0" spcFirstLastPara="1" vertOverflow="overflow" horzOverflow="overflow" vert="horz" wrap="square" lIns="50800" tIns="50800" rIns="50800" bIns="50800" numCol="1" spcCol="38100" rtlCol="0" anchor="ctr">
+            <a:spAutoFit/>
+          </a:bodyPr>
+          <a:lstStyle/>
+          <a:p>
+            <a:pPr>
+              <a:lnSpc>
+                <a:spcPct val="80000"/>
+              </a:lnSpc>
+              <a:spcBef>
+                <a:spcPts val="0"/>
+              </a:spcBef>
+            </a:pPr>
+            <a:r>
+              <a:rPr lang="de-DE" sz="2800" dirty="0" smtClean="0">
+                <a:solidFill>
+                  <a:srgbClr val="FFFFFF"/>
+                </a:solidFill>
+                <a:latin typeface="+mn-lt"/>
+                <a:ea typeface="+mn-ea"/>
+                <a:cs typeface="+mn-cs"/>
+                <a:sym typeface="DIN Condensed"/>
+              </a:rPr>
+              <a:t>Andreas </a:t>
+            </a:r>
+            <a:r>
+              <a:rPr lang="de-DE" sz="2800" dirty="0" err="1" smtClean="0">
+                <a:solidFill>
+                  <a:srgbClr val="FFFFFF"/>
+                </a:solidFill>
+                <a:latin typeface="+mn-lt"/>
+                <a:ea typeface="+mn-ea"/>
+                <a:cs typeface="+mn-cs"/>
+                <a:sym typeface="DIN Condensed"/>
+              </a:rPr>
+              <a:t>Nunberger</a:t>
+            </a:r>
+            <a:r>
+              <a:rPr lang="de-DE" sz="2800" dirty="0" smtClean="0">
+                <a:solidFill>
+                  <a:srgbClr val="FFFFFF"/>
+                </a:solidFill>
+                <a:latin typeface="+mn-lt"/>
+                <a:ea typeface="+mn-ea"/>
+                <a:cs typeface="+mn-cs"/>
+                <a:sym typeface="DIN Condensed"/>
+              </a:rPr>
+              <a:t>    			14.02.2017 			</a:t>
+            </a:r>
+            <a:r>
+              <a:rPr lang="de-DE" sz="2800" dirty="0" smtClean="0">
+                <a:solidFill>
+                  <a:srgbClr val="FFFFFF"/>
+                </a:solidFill>
+                <a:sym typeface="DIN Condensed"/>
+              </a:rPr>
+              <a:t>Mario </a:t>
+            </a:r>
+            <a:r>
+              <a:rPr lang="de-DE" sz="2800" dirty="0" err="1" smtClean="0">
+                <a:solidFill>
+                  <a:srgbClr val="FFFFFF"/>
+                </a:solidFill>
+                <a:sym typeface="DIN Condensed"/>
+              </a:rPr>
+              <a:t>Zeindlmeier</a:t>
+            </a:r>
+            <a:endParaRPr kumimoji="0" lang="de-DE" sz="2800" b="0" i="0" u="none" strike="noStrike" spc="0" normalizeH="0" baseline="0" dirty="0">
+              <a:ln>
+                <a:noFill/>
+              </a:ln>
+              <a:solidFill>
+                <a:srgbClr val="FFFFFF"/>
+              </a:solidFill>
+              <a:effectLst/>
+              <a:uFillTx/>
+              <a:latin typeface="+mn-lt"/>
+              <a:ea typeface="+mn-ea"/>
+              <a:cs typeface="+mn-cs"/>
+              <a:sym typeface="DIN Condensed"/>
+            </a:endParaRPr>
+          </a:p>
+        </p:txBody>
+      </p:sp>
+      <p:pic>
+        <p:nvPicPr>
+          <p:cNvPr id="8" name="Grafik 7"/>
+          <p:cNvPicPr>
+            <a:picLocks noChangeAspect="1"/>
+          </p:cNvPicPr>
+          <p:nvPr/>
+        </p:nvPicPr>
+        <p:blipFill>
+          <a:blip r:embed="rId4" cstate="print">
+            <a:extLst>
+              <a:ext uri="{28A0092B-C50C-407E-A947-70E740481C1C}">
+                <a14:useLocalDpi xmlns:a14="http://schemas.microsoft.com/office/drawing/2010/main" val="0"/>
+              </a:ext>
+            </a:extLst>
+          </a:blip>
+          <a:stretch>
+            <a:fillRect/>
+          </a:stretch>
+        </p:blipFill>
+        <p:spPr>
+          <a:xfrm>
+            <a:off x="8562782" y="7425606"/>
+            <a:ext cx="4035618" cy="1432644"/>
+          </a:xfrm>
+          <a:prstGeom prst="rect">
+            <a:avLst/>
+          </a:prstGeom>
+        </p:spPr>
+      </p:pic>
     </p:spTree>
   </p:cSld>
   <p:clrMapOvr>
@@ -13697,6 +15718,185 @@
           </a:p>
         </p:txBody>
       </p:sp>
+      <p:pic>
+        <p:nvPicPr>
+          <p:cNvPr id="6" name="Grafik 5"/>
+          <p:cNvPicPr>
+            <a:picLocks noChangeAspect="1"/>
+          </p:cNvPicPr>
+          <p:nvPr/>
+        </p:nvPicPr>
+        <p:blipFill>
+          <a:blip r:embed="rId3">
+            <a:extLst>
+              <a:ext uri="{28A0092B-C50C-407E-A947-70E740481C1C}">
+                <a14:useLocalDpi xmlns:a14="http://schemas.microsoft.com/office/drawing/2010/main" val="0"/>
+              </a:ext>
+            </a:extLst>
+          </a:blip>
+          <a:stretch>
+            <a:fillRect/>
+          </a:stretch>
+        </p:blipFill>
+        <p:spPr>
+          <a:xfrm>
+            <a:off x="406400" y="7821226"/>
+            <a:ext cx="4854051" cy="1138191"/>
+          </a:xfrm>
+          <a:prstGeom prst="rect">
+            <a:avLst/>
+          </a:prstGeom>
+        </p:spPr>
+      </p:pic>
+      <p:sp>
+        <p:nvSpPr>
+          <p:cNvPr id="7" name="Rechteck 6"/>
+          <p:cNvSpPr/>
+          <p:nvPr/>
+        </p:nvSpPr>
+        <p:spPr>
+          <a:xfrm>
+            <a:off x="406400" y="9174451"/>
+            <a:ext cx="12192000" cy="447302"/>
+          </a:xfrm>
+          <a:prstGeom prst="rect">
+            <a:avLst/>
+          </a:prstGeom>
+          <a:noFill/>
+          <a:ln w="12700" cap="flat">
+            <a:noFill/>
+            <a:miter lim="400000"/>
+          </a:ln>
+          <a:effectLst/>
+          <a:sp3d/>
+        </p:spPr>
+        <p:style>
+          <a:lnRef idx="0">
+            <a:scrgbClr r="0" g="0" b="0"/>
+          </a:lnRef>
+          <a:fillRef idx="0">
+            <a:scrgbClr r="0" g="0" b="0"/>
+          </a:fillRef>
+          <a:effectRef idx="0">
+            <a:scrgbClr r="0" g="0" b="0"/>
+          </a:effectRef>
+          <a:fontRef idx="none"/>
+        </p:style>
+        <p:txBody>
+          <a:bodyPr rot="0" spcFirstLastPara="1" vertOverflow="overflow" horzOverflow="overflow" vert="horz" wrap="square" lIns="50800" tIns="50800" rIns="50800" bIns="50800" numCol="1" spcCol="38100" rtlCol="0" anchor="ctr">
+            <a:spAutoFit/>
+          </a:bodyPr>
+          <a:lstStyle/>
+          <a:p>
+            <a:pPr>
+              <a:lnSpc>
+                <a:spcPct val="80000"/>
+              </a:lnSpc>
+              <a:spcBef>
+                <a:spcPts val="0"/>
+              </a:spcBef>
+            </a:pPr>
+            <a:r>
+              <a:rPr lang="de-DE" sz="2800" dirty="0" smtClean="0">
+                <a:solidFill>
+                  <a:srgbClr val="FFFFFF"/>
+                </a:solidFill>
+                <a:latin typeface="+mn-lt"/>
+                <a:ea typeface="+mn-ea"/>
+                <a:cs typeface="+mn-cs"/>
+                <a:sym typeface="DIN Condensed"/>
+              </a:rPr>
+              <a:t>Andreas </a:t>
+            </a:r>
+            <a:r>
+              <a:rPr lang="de-DE" sz="2800" dirty="0" err="1" smtClean="0">
+                <a:solidFill>
+                  <a:srgbClr val="FFFFFF"/>
+                </a:solidFill>
+                <a:latin typeface="+mn-lt"/>
+                <a:ea typeface="+mn-ea"/>
+                <a:cs typeface="+mn-cs"/>
+                <a:sym typeface="DIN Condensed"/>
+              </a:rPr>
+              <a:t>Nunberger</a:t>
+            </a:r>
+            <a:r>
+              <a:rPr lang="de-DE" sz="2800" dirty="0" smtClean="0">
+                <a:solidFill>
+                  <a:srgbClr val="FFFFFF"/>
+                </a:solidFill>
+                <a:latin typeface="+mn-lt"/>
+                <a:ea typeface="+mn-ea"/>
+                <a:cs typeface="+mn-cs"/>
+                <a:sym typeface="DIN Condensed"/>
+              </a:rPr>
+              <a:t>    			14.02.2017 			</a:t>
+            </a:r>
+            <a:r>
+              <a:rPr lang="de-DE" sz="2800" dirty="0" smtClean="0">
+                <a:solidFill>
+                  <a:srgbClr val="FFFFFF"/>
+                </a:solidFill>
+                <a:sym typeface="DIN Condensed"/>
+              </a:rPr>
+              <a:t>Mario </a:t>
+            </a:r>
+            <a:r>
+              <a:rPr lang="de-DE" sz="2800" dirty="0" err="1" smtClean="0">
+                <a:solidFill>
+                  <a:srgbClr val="FFFFFF"/>
+                </a:solidFill>
+                <a:sym typeface="DIN Condensed"/>
+              </a:rPr>
+              <a:t>Zeindlmeier</a:t>
+            </a:r>
+            <a:endParaRPr kumimoji="0" lang="de-DE" sz="2800" b="0" i="0" u="none" strike="noStrike" spc="0" normalizeH="0" baseline="0" dirty="0">
+              <a:ln>
+                <a:noFill/>
+              </a:ln>
+              <a:solidFill>
+                <a:srgbClr val="FFFFFF"/>
+              </a:solidFill>
+              <a:effectLst/>
+              <a:uFillTx/>
+              <a:latin typeface="+mn-lt"/>
+              <a:ea typeface="+mn-ea"/>
+              <a:cs typeface="+mn-cs"/>
+              <a:sym typeface="DIN Condensed"/>
+            </a:endParaRPr>
+          </a:p>
+        </p:txBody>
+      </p:sp>
+      <p:pic>
+        <p:nvPicPr>
+          <p:cNvPr id="8" name="Grafik 7"/>
+          <p:cNvPicPr>
+            <a:picLocks noChangeAspect="1"/>
+          </p:cNvPicPr>
+          <p:nvPr/>
+        </p:nvPicPr>
+        <p:blipFill>
+          <a:blip r:embed="rId4" cstate="print">
+            <a:extLst>
+              <a:ext uri="{28A0092B-C50C-407E-A947-70E740481C1C}">
+                <a14:useLocalDpi xmlns:a14="http://schemas.microsoft.com/office/drawing/2010/main" val="0"/>
+              </a:ext>
+            </a:extLst>
+          </a:blip>
+          <a:stretch>
+            <a:fillRect/>
+          </a:stretch>
+        </p:blipFill>
+        <p:spPr>
+          <a:xfrm>
+            <a:off x="8562782" y="7425606"/>
+            <a:ext cx="4035618" cy="1432644"/>
+          </a:xfrm>
+          <a:prstGeom prst="rect">
+            <a:avLst/>
+          </a:prstGeom>
+        </p:spPr>
+      </p:pic>
     </p:spTree>
   </p:cSld>
   <p:clrMapOvr>
@@ -14275,6 +16475,185 @@
           </a:p>
         </p:txBody>
       </p:sp>
+      <p:pic>
+        <p:nvPicPr>
+          <p:cNvPr id="7" name="Grafik 6"/>
+          <p:cNvPicPr>
+            <a:picLocks noChangeAspect="1"/>
+          </p:cNvPicPr>
+          <p:nvPr/>
+        </p:nvPicPr>
+        <p:blipFill>
+          <a:blip r:embed="rId3">
+            <a:extLst>
+              <a:ext uri="{28A0092B-C50C-407E-A947-70E740481C1C}">
+                <a14:useLocalDpi xmlns:a14="http://schemas.microsoft.com/office/drawing/2010/main" val="0"/>
+              </a:ext>
+            </a:extLst>
+          </a:blip>
+          <a:stretch>
+            <a:fillRect/>
+          </a:stretch>
+        </p:blipFill>
+        <p:spPr>
+          <a:xfrm>
+            <a:off x="406400" y="7821226"/>
+            <a:ext cx="4854051" cy="1138191"/>
+          </a:xfrm>
+          <a:prstGeom prst="rect">
+            <a:avLst/>
+          </a:prstGeom>
+        </p:spPr>
+      </p:pic>
+      <p:sp>
+        <p:nvSpPr>
+          <p:cNvPr id="8" name="Rechteck 7"/>
+          <p:cNvSpPr/>
+          <p:nvPr/>
+        </p:nvSpPr>
+        <p:spPr>
+          <a:xfrm>
+            <a:off x="406400" y="9174451"/>
+            <a:ext cx="12192000" cy="447302"/>
+          </a:xfrm>
+          <a:prstGeom prst="rect">
+            <a:avLst/>
+          </a:prstGeom>
+          <a:noFill/>
+          <a:ln w="12700" cap="flat">
+            <a:noFill/>
+            <a:miter lim="400000"/>
+          </a:ln>
+          <a:effectLst/>
+          <a:sp3d/>
+        </p:spPr>
+        <p:style>
+          <a:lnRef idx="0">
+            <a:scrgbClr r="0" g="0" b="0"/>
+          </a:lnRef>
+          <a:fillRef idx="0">
+            <a:scrgbClr r="0" g="0" b="0"/>
+          </a:fillRef>
+          <a:effectRef idx="0">
+            <a:scrgbClr r="0" g="0" b="0"/>
+          </a:effectRef>
+          <a:fontRef idx="none"/>
+        </p:style>
+        <p:txBody>
+          <a:bodyPr rot="0" spcFirstLastPara="1" vertOverflow="overflow" horzOverflow="overflow" vert="horz" wrap="square" lIns="50800" tIns="50800" rIns="50800" bIns="50800" numCol="1" spcCol="38100" rtlCol="0" anchor="ctr">
+            <a:spAutoFit/>
+          </a:bodyPr>
+          <a:lstStyle/>
+          <a:p>
+            <a:pPr>
+              <a:lnSpc>
+                <a:spcPct val="80000"/>
+              </a:lnSpc>
+              <a:spcBef>
+                <a:spcPts val="0"/>
+              </a:spcBef>
+            </a:pPr>
+            <a:r>
+              <a:rPr lang="de-DE" sz="2800" dirty="0" smtClean="0">
+                <a:solidFill>
+                  <a:srgbClr val="FFFFFF"/>
+                </a:solidFill>
+                <a:latin typeface="+mn-lt"/>
+                <a:ea typeface="+mn-ea"/>
+                <a:cs typeface="+mn-cs"/>
+                <a:sym typeface="DIN Condensed"/>
+              </a:rPr>
+              <a:t>Andreas </a:t>
+            </a:r>
+            <a:r>
+              <a:rPr lang="de-DE" sz="2800" dirty="0" err="1" smtClean="0">
+                <a:solidFill>
+                  <a:srgbClr val="FFFFFF"/>
+                </a:solidFill>
+                <a:latin typeface="+mn-lt"/>
+                <a:ea typeface="+mn-ea"/>
+                <a:cs typeface="+mn-cs"/>
+                <a:sym typeface="DIN Condensed"/>
+              </a:rPr>
+              <a:t>Nunberger</a:t>
+            </a:r>
+            <a:r>
+              <a:rPr lang="de-DE" sz="2800" dirty="0" smtClean="0">
+                <a:solidFill>
+                  <a:srgbClr val="FFFFFF"/>
+                </a:solidFill>
+                <a:latin typeface="+mn-lt"/>
+                <a:ea typeface="+mn-ea"/>
+                <a:cs typeface="+mn-cs"/>
+                <a:sym typeface="DIN Condensed"/>
+              </a:rPr>
+              <a:t>    			14.02.2017 			</a:t>
+            </a:r>
+            <a:r>
+              <a:rPr lang="de-DE" sz="2800" dirty="0" smtClean="0">
+                <a:solidFill>
+                  <a:srgbClr val="FFFFFF"/>
+                </a:solidFill>
+                <a:sym typeface="DIN Condensed"/>
+              </a:rPr>
+              <a:t>Mario </a:t>
+            </a:r>
+            <a:r>
+              <a:rPr lang="de-DE" sz="2800" dirty="0" err="1" smtClean="0">
+                <a:solidFill>
+                  <a:srgbClr val="FFFFFF"/>
+                </a:solidFill>
+                <a:sym typeface="DIN Condensed"/>
+              </a:rPr>
+              <a:t>Zeindlmeier</a:t>
+            </a:r>
+            <a:endParaRPr kumimoji="0" lang="de-DE" sz="2800" b="0" i="0" u="none" strike="noStrike" spc="0" normalizeH="0" baseline="0" dirty="0">
+              <a:ln>
+                <a:noFill/>
+              </a:ln>
+              <a:solidFill>
+                <a:srgbClr val="FFFFFF"/>
+              </a:solidFill>
+              <a:effectLst/>
+              <a:uFillTx/>
+              <a:latin typeface="+mn-lt"/>
+              <a:ea typeface="+mn-ea"/>
+              <a:cs typeface="+mn-cs"/>
+              <a:sym typeface="DIN Condensed"/>
+            </a:endParaRPr>
+          </a:p>
+        </p:txBody>
+      </p:sp>
+      <p:pic>
+        <p:nvPicPr>
+          <p:cNvPr id="10" name="Grafik 9"/>
+          <p:cNvPicPr>
+            <a:picLocks noChangeAspect="1"/>
+          </p:cNvPicPr>
+          <p:nvPr/>
+        </p:nvPicPr>
+        <p:blipFill>
+          <a:blip r:embed="rId4" cstate="print">
+            <a:extLst>
+              <a:ext uri="{28A0092B-C50C-407E-A947-70E740481C1C}">
+                <a14:useLocalDpi xmlns:a14="http://schemas.microsoft.com/office/drawing/2010/main" val="0"/>
+              </a:ext>
+            </a:extLst>
+          </a:blip>
+          <a:stretch>
+            <a:fillRect/>
+          </a:stretch>
+        </p:blipFill>
+        <p:spPr>
+          <a:xfrm>
+            <a:off x="8562782" y="7425606"/>
+            <a:ext cx="4035618" cy="1432644"/>
+          </a:xfrm>
+          <a:prstGeom prst="rect">
+            <a:avLst/>
+          </a:prstGeom>
+        </p:spPr>
+      </p:pic>
     </p:spTree>
   </p:cSld>
   <p:clrMapOvr>

--- a/Doku/schule.pptx
+++ b/Doku/schule.pptx
@@ -323,6 +323,11 @@
       </a:defRPr>
     </a:lvl9pPr>
   </p:defaultTextStyle>
+  <p:extLst>
+    <p:ext uri="{EFAFB233-063F-42B5-8137-9DF3F51BA10A}">
+      <p15:sldGuideLst xmlns:p15="http://schemas.microsoft.com/office/powerpoint/2012/main"/>
+    </p:ext>
+  </p:extLst>
 </p:presentation>
 </file>
 
@@ -5192,7 +5197,7 @@
           </a:ln>
           <a:extLst>
             <a:ext uri="{C572A759-6A51-4108-AA02-DFA0A04FC94B}">
-              <ma14:wrappingTextBoxFlag xmlns:ma14="http://schemas.microsoft.com/office/mac/drawingml/2011/main" xmlns="" val="1"/>
+              <ma14:wrappingTextBoxFlag xmlns="" xmlns:ma14="http://schemas.microsoft.com/office/mac/drawingml/2011/main" val="1"/>
             </a:ext>
           </a:extLst>
         </p:spPr>
@@ -5231,7 +5236,7 @@
           </a:ln>
           <a:extLst>
             <a:ext uri="{C572A759-6A51-4108-AA02-DFA0A04FC94B}">
-              <ma14:wrappingTextBoxFlag xmlns:ma14="http://schemas.microsoft.com/office/mac/drawingml/2011/main" xmlns="" val="1"/>
+              <ma14:wrappingTextBoxFlag xmlns="" xmlns:ma14="http://schemas.microsoft.com/office/mac/drawingml/2011/main" val="1"/>
             </a:ext>
           </a:extLst>
         </p:spPr>
@@ -6746,14 +6751,14 @@
       </p:sp>
       <p:pic>
         <p:nvPicPr>
-          <p:cNvPr id="6" name="Grafik 5"/>
+          <p:cNvPr id="9" name="Grafik 8"/>
           <p:cNvPicPr>
             <a:picLocks noChangeAspect="1"/>
           </p:cNvPicPr>
           <p:nvPr/>
         </p:nvPicPr>
         <p:blipFill>
-          <a:blip r:embed="rId3">
+          <a:blip r:embed="rId3" cstate="print">
             <a:extLst>
               <a:ext uri="{28A0092B-C50C-407E-A947-70E740481C1C}">
                 <a14:useLocalDpi xmlns:a14="http://schemas.microsoft.com/office/drawing/2010/main" val="0"/>
@@ -6766,8 +6771,8 @@
         </p:blipFill>
         <p:spPr>
           <a:xfrm>
-            <a:off x="406400" y="7821226"/>
-            <a:ext cx="4854051" cy="1138191"/>
+            <a:off x="650207" y="8287119"/>
+            <a:ext cx="2867152" cy="672298"/>
           </a:xfrm>
           <a:prstGeom prst="rect">
             <a:avLst/>
@@ -6776,7 +6781,7 @@
       </p:pic>
       <p:sp>
         <p:nvSpPr>
-          <p:cNvPr id="7" name="Rechteck 6"/>
+          <p:cNvPr id="10" name="Rechteck 9"/>
           <p:cNvSpPr/>
           <p:nvPr/>
         </p:nvSpPr>
@@ -6895,7 +6900,7 @@
       </p:sp>
       <p:pic>
         <p:nvPicPr>
-          <p:cNvPr id="8" name="Grafik 7"/>
+          <p:cNvPr id="11" name="Grafik 10"/>
           <p:cNvPicPr>
             <a:picLocks noChangeAspect="1"/>
           </p:cNvPicPr>
@@ -6915,8 +6920,8 @@
         </p:blipFill>
         <p:spPr>
           <a:xfrm>
-            <a:off x="8562782" y="7526773"/>
-            <a:ext cx="4035618" cy="1432644"/>
+            <a:off x="9513758" y="8103861"/>
+            <a:ext cx="2410018" cy="855556"/>
           </a:xfrm>
           <a:prstGeom prst="rect">
             <a:avLst/>
@@ -7433,18 +7438,7 @@
                   </a:schemeClr>
                 </a:solidFill>
               </a:rPr>
-              <a:t> </a:t>
-            </a:r>
-            <a:r>
-              <a:rPr sz="4000" dirty="0">
-                <a:solidFill>
-                  <a:schemeClr val="tx2">
-                    <a:lumMod val="20000"/>
-                    <a:lumOff val="80000"/>
-                  </a:schemeClr>
-                </a:solidFill>
-              </a:rPr>
-              <a:t>von Java </a:t>
+              <a:t> von Java </a:t>
             </a:r>
             <a:r>
               <a:rPr sz="4000" dirty="0" err="1">
@@ -7531,18 +7525,7 @@
                   </a:schemeClr>
                 </a:solidFill>
               </a:rPr>
-              <a:t> </a:t>
-            </a:r>
-            <a:r>
-              <a:rPr sz="4000" dirty="0">
-                <a:solidFill>
-                  <a:schemeClr val="tx2">
-                    <a:lumMod val="20000"/>
-                    <a:lumOff val="80000"/>
-                  </a:schemeClr>
-                </a:solidFill>
-              </a:rPr>
-              <a:t>der </a:t>
+              <a:t> der </a:t>
             </a:r>
             <a:r>
               <a:rPr sz="4000" dirty="0" err="1">
@@ -7590,7 +7573,7 @@
       </p:sp>
       <p:pic>
         <p:nvPicPr>
-          <p:cNvPr id="5" name="Grafik 4"/>
+          <p:cNvPr id="11" name="Grafik 10"/>
           <p:cNvPicPr>
             <a:picLocks noChangeAspect="1"/>
           </p:cNvPicPr>
@@ -7610,38 +7593,8 @@
         </p:blipFill>
         <p:spPr>
           <a:xfrm>
-            <a:off x="8562782" y="7526773"/>
-            <a:ext cx="4035618" cy="1432644"/>
-          </a:xfrm>
-          <a:prstGeom prst="rect">
-            <a:avLst/>
-          </a:prstGeom>
-        </p:spPr>
-      </p:pic>
-      <p:pic>
-        <p:nvPicPr>
-          <p:cNvPr id="6" name="Grafik 5"/>
-          <p:cNvPicPr>
-            <a:picLocks noChangeAspect="1"/>
-          </p:cNvPicPr>
-          <p:nvPr/>
-        </p:nvPicPr>
-        <p:blipFill>
-          <a:blip r:embed="rId4">
-            <a:extLst>
-              <a:ext uri="{28A0092B-C50C-407E-A947-70E740481C1C}">
-                <a14:useLocalDpi xmlns:a14="http://schemas.microsoft.com/office/drawing/2010/main" val="0"/>
-              </a:ext>
-            </a:extLst>
-          </a:blip>
-          <a:stretch>
-            <a:fillRect/>
-          </a:stretch>
-        </p:blipFill>
-        <p:spPr>
-          <a:xfrm>
-            <a:off x="406400" y="7821226"/>
-            <a:ext cx="4854051" cy="1138191"/>
+            <a:off x="650207" y="8287119"/>
+            <a:ext cx="2867152" cy="672298"/>
           </a:xfrm>
           <a:prstGeom prst="rect">
             <a:avLst/>
@@ -7650,7 +7603,7 @@
       </p:pic>
       <p:sp>
         <p:nvSpPr>
-          <p:cNvPr id="7" name="Rechteck 6"/>
+          <p:cNvPr id="12" name="Rechteck 11"/>
           <p:cNvSpPr/>
           <p:nvPr/>
         </p:nvSpPr>
@@ -7767,6 +7720,36 @@
           </a:p>
         </p:txBody>
       </p:sp>
+      <p:pic>
+        <p:nvPicPr>
+          <p:cNvPr id="13" name="Grafik 12"/>
+          <p:cNvPicPr>
+            <a:picLocks noChangeAspect="1"/>
+          </p:cNvPicPr>
+          <p:nvPr/>
+        </p:nvPicPr>
+        <p:blipFill>
+          <a:blip r:embed="rId4" cstate="print">
+            <a:extLst>
+              <a:ext uri="{28A0092B-C50C-407E-A947-70E740481C1C}">
+                <a14:useLocalDpi xmlns:a14="http://schemas.microsoft.com/office/drawing/2010/main" val="0"/>
+              </a:ext>
+            </a:extLst>
+          </a:blip>
+          <a:stretch>
+            <a:fillRect/>
+          </a:stretch>
+        </p:blipFill>
+        <p:spPr>
+          <a:xfrm>
+            <a:off x="9513758" y="8103861"/>
+            <a:ext cx="2410018" cy="855556"/>
+          </a:xfrm>
+          <a:prstGeom prst="rect">
+            <a:avLst/>
+          </a:prstGeom>
+        </p:spPr>
+      </p:pic>
     </p:spTree>
   </p:cSld>
   <p:clrMapOvr>
@@ -8783,14 +8766,14 @@
       </p:graphicFrame>
       <p:pic>
         <p:nvPicPr>
-          <p:cNvPr id="8" name="Grafik 7"/>
+          <p:cNvPr id="11" name="Grafik 10"/>
           <p:cNvPicPr>
             <a:picLocks noChangeAspect="1"/>
           </p:cNvPicPr>
           <p:nvPr/>
         </p:nvPicPr>
         <p:blipFill>
-          <a:blip r:embed="rId2">
+          <a:blip r:embed="rId2" cstate="print">
             <a:extLst>
               <a:ext uri="{28A0092B-C50C-407E-A947-70E740481C1C}">
                 <a14:useLocalDpi xmlns:a14="http://schemas.microsoft.com/office/drawing/2010/main" val="0"/>
@@ -8803,8 +8786,8 @@
         </p:blipFill>
         <p:spPr>
           <a:xfrm>
-            <a:off x="406400" y="7821226"/>
-            <a:ext cx="4854051" cy="1138191"/>
+            <a:off x="650207" y="8287119"/>
+            <a:ext cx="2867152" cy="672298"/>
           </a:xfrm>
           <a:prstGeom prst="rect">
             <a:avLst/>
@@ -8813,7 +8796,7 @@
       </p:pic>
       <p:sp>
         <p:nvSpPr>
-          <p:cNvPr id="9" name="Rechteck 8"/>
+          <p:cNvPr id="12" name="Rechteck 11"/>
           <p:cNvSpPr/>
           <p:nvPr/>
         </p:nvSpPr>
@@ -8932,7 +8915,7 @@
       </p:sp>
       <p:pic>
         <p:nvPicPr>
-          <p:cNvPr id="10" name="Grafik 9"/>
+          <p:cNvPr id="13" name="Grafik 12"/>
           <p:cNvPicPr>
             <a:picLocks noChangeAspect="1"/>
           </p:cNvPicPr>
@@ -8952,8 +8935,8 @@
         </p:blipFill>
         <p:spPr>
           <a:xfrm>
-            <a:off x="8562782" y="7526773"/>
-            <a:ext cx="4035618" cy="1432644"/>
+            <a:off x="9513758" y="8103861"/>
+            <a:ext cx="2410018" cy="855556"/>
           </a:xfrm>
           <a:prstGeom prst="rect">
             <a:avLst/>
@@ -9142,18 +9125,7 @@
                   </a:schemeClr>
                 </a:solidFill>
               </a:rPr>
-              <a:t>Alle</a:t>
-            </a:r>
-            <a:r>
-              <a:rPr lang="de-DE" sz="4000" dirty="0">
-                <a:solidFill>
-                  <a:schemeClr val="tx2">
-                    <a:lumMod val="20000"/>
-                    <a:lumOff val="80000"/>
-                  </a:schemeClr>
-                </a:solidFill>
-              </a:rPr>
-              <a:t> </a:t>
+              <a:t>Alle </a:t>
             </a:r>
             <a:r>
               <a:rPr sz="4000" dirty="0" err="1">
@@ -9362,14 +9334,14 @@
       </p:sp>
       <p:pic>
         <p:nvPicPr>
-          <p:cNvPr id="5" name="Grafik 4"/>
+          <p:cNvPr id="8" name="Grafik 7"/>
           <p:cNvPicPr>
             <a:picLocks noChangeAspect="1"/>
           </p:cNvPicPr>
           <p:nvPr/>
         </p:nvPicPr>
         <p:blipFill>
-          <a:blip r:embed="rId3">
+          <a:blip r:embed="rId3" cstate="print">
             <a:extLst>
               <a:ext uri="{28A0092B-C50C-407E-A947-70E740481C1C}">
                 <a14:useLocalDpi xmlns:a14="http://schemas.microsoft.com/office/drawing/2010/main" val="0"/>
@@ -9382,8 +9354,8 @@
         </p:blipFill>
         <p:spPr>
           <a:xfrm>
-            <a:off x="406400" y="7821226"/>
-            <a:ext cx="4854051" cy="1138191"/>
+            <a:off x="650207" y="8287119"/>
+            <a:ext cx="2867152" cy="672298"/>
           </a:xfrm>
           <a:prstGeom prst="rect">
             <a:avLst/>
@@ -9392,7 +9364,7 @@
       </p:pic>
       <p:sp>
         <p:nvSpPr>
-          <p:cNvPr id="6" name="Rechteck 5"/>
+          <p:cNvPr id="9" name="Rechteck 8"/>
           <p:cNvSpPr/>
           <p:nvPr/>
         </p:nvSpPr>
@@ -9511,7 +9483,7 @@
       </p:sp>
       <p:pic>
         <p:nvPicPr>
-          <p:cNvPr id="7" name="Grafik 6"/>
+          <p:cNvPr id="10" name="Grafik 9"/>
           <p:cNvPicPr>
             <a:picLocks noChangeAspect="1"/>
           </p:cNvPicPr>
@@ -9531,8 +9503,8 @@
         </p:blipFill>
         <p:spPr>
           <a:xfrm>
-            <a:off x="8562782" y="7526773"/>
-            <a:ext cx="4035618" cy="1432644"/>
+            <a:off x="9513758" y="8103861"/>
+            <a:ext cx="2410018" cy="855556"/>
           </a:xfrm>
           <a:prstGeom prst="rect">
             <a:avLst/>
@@ -9940,18 +9912,7 @@
                   </a:schemeClr>
                 </a:solidFill>
               </a:rPr>
-              <a:t>Ermöglicht</a:t>
-            </a:r>
-            <a:r>
-              <a:rPr lang="de-DE" sz="4000" dirty="0">
-                <a:solidFill>
-                  <a:schemeClr val="tx2">
-                    <a:lumMod val="20000"/>
-                    <a:lumOff val="80000"/>
-                  </a:schemeClr>
-                </a:solidFill>
-              </a:rPr>
-              <a:t> </a:t>
+              <a:t>Ermöglicht </a:t>
             </a:r>
             <a:r>
               <a:rPr sz="4000" dirty="0" err="1">
@@ -10168,14 +10129,14 @@
       </p:sp>
       <p:pic>
         <p:nvPicPr>
-          <p:cNvPr id="5" name="Grafik 4"/>
+          <p:cNvPr id="8" name="Grafik 7"/>
           <p:cNvPicPr>
             <a:picLocks noChangeAspect="1"/>
           </p:cNvPicPr>
           <p:nvPr/>
         </p:nvPicPr>
         <p:blipFill>
-          <a:blip r:embed="rId3">
+          <a:blip r:embed="rId3" cstate="print">
             <a:extLst>
               <a:ext uri="{28A0092B-C50C-407E-A947-70E740481C1C}">
                 <a14:useLocalDpi xmlns:a14="http://schemas.microsoft.com/office/drawing/2010/main" val="0"/>
@@ -10188,8 +10149,8 @@
         </p:blipFill>
         <p:spPr>
           <a:xfrm>
-            <a:off x="406400" y="7821226"/>
-            <a:ext cx="4854051" cy="1138191"/>
+            <a:off x="650207" y="8287119"/>
+            <a:ext cx="2867152" cy="672298"/>
           </a:xfrm>
           <a:prstGeom prst="rect">
             <a:avLst/>
@@ -10198,7 +10159,7 @@
       </p:pic>
       <p:sp>
         <p:nvSpPr>
-          <p:cNvPr id="6" name="Rechteck 5"/>
+          <p:cNvPr id="9" name="Rechteck 8"/>
           <p:cNvSpPr/>
           <p:nvPr/>
         </p:nvSpPr>
@@ -10317,7 +10278,7 @@
       </p:sp>
       <p:pic>
         <p:nvPicPr>
-          <p:cNvPr id="7" name="Grafik 6"/>
+          <p:cNvPr id="10" name="Grafik 9"/>
           <p:cNvPicPr>
             <a:picLocks noChangeAspect="1"/>
           </p:cNvPicPr>
@@ -10337,8 +10298,8 @@
         </p:blipFill>
         <p:spPr>
           <a:xfrm>
-            <a:off x="8562782" y="7526773"/>
-            <a:ext cx="4035618" cy="1432644"/>
+            <a:off x="9513758" y="8103861"/>
+            <a:ext cx="2410018" cy="855556"/>
           </a:xfrm>
           <a:prstGeom prst="rect">
             <a:avLst/>
@@ -10772,25 +10733,6 @@
           </a:p>
         </p:txBody>
       </p:sp>
-      <p:sp>
-        <p:nvSpPr>
-          <p:cNvPr id="2" name="Textplatzhalter 1"/>
-          <p:cNvSpPr>
-            <a:spLocks noGrp="1"/>
-          </p:cNvSpPr>
-          <p:nvPr>
-            <p:ph type="body" sz="quarter" idx="13"/>
-          </p:nvPr>
-        </p:nvSpPr>
-        <p:spPr/>
-        <p:txBody>
-          <a:bodyPr/>
-          <a:lstStyle/>
-          <a:p>
-            <a:endParaRPr lang="de-DE"/>
-          </a:p>
-        </p:txBody>
-      </p:sp>
       <p:pic>
         <p:nvPicPr>
           <p:cNvPr id="4" name="Grafik 3"/>
@@ -10800,7 +10742,7 @@
           <p:nvPr/>
         </p:nvPicPr>
         <p:blipFill>
-          <a:blip r:embed="rId2">
+          <a:blip r:embed="rId2" cstate="print">
             <a:extLst>
               <a:ext uri="{28A0092B-C50C-407E-A947-70E740481C1C}">
                 <a14:useLocalDpi xmlns:a14="http://schemas.microsoft.com/office/drawing/2010/main" val="0"/>
@@ -10813,8 +10755,8 @@
         </p:blipFill>
         <p:spPr>
           <a:xfrm>
-            <a:off x="406400" y="7821226"/>
-            <a:ext cx="4854051" cy="1138191"/>
+            <a:off x="650207" y="8287119"/>
+            <a:ext cx="2867152" cy="672298"/>
           </a:xfrm>
           <a:prstGeom prst="rect">
             <a:avLst/>
@@ -10962,8 +10904,8 @@
         </p:blipFill>
         <p:spPr>
           <a:xfrm>
-            <a:off x="8562782" y="7419256"/>
-            <a:ext cx="4035618" cy="1432644"/>
+            <a:off x="9513758" y="8103861"/>
+            <a:ext cx="2410018" cy="855556"/>
           </a:xfrm>
           <a:prstGeom prst="rect">
             <a:avLst/>
@@ -11395,27 +11337,8 @@
                   </a:schemeClr>
                 </a:solidFill>
               </a:rPr>
-              <a:t> </a:t>
-            </a:r>
-            <a:r>
-              <a:rPr sz="4000" dirty="0">
-                <a:solidFill>
-                  <a:schemeClr val="tx2">
-                    <a:lumMod val="20000"/>
-                    <a:lumOff val="80000"/>
-                  </a:schemeClr>
-                </a:solidFill>
-              </a:rPr>
-              <a:t>GmbH</a:t>
-            </a:r>
-            <a:endParaRPr sz="4000" dirty="0">
-              <a:solidFill>
-                <a:schemeClr val="tx2">
-                  <a:lumMod val="20000"/>
-                  <a:lumOff val="80000"/>
-                </a:schemeClr>
-              </a:solidFill>
-            </a:endParaRPr>
+              <a:t> GmbH</a:t>
+            </a:r>
           </a:p>
           <a:p>
             <a:pPr marL="368934" indent="-368934" defTabSz="484886">
@@ -11440,14 +11363,14 @@
       </p:sp>
       <p:pic>
         <p:nvPicPr>
-          <p:cNvPr id="6" name="Grafik 5"/>
+          <p:cNvPr id="8" name="Grafik 7"/>
           <p:cNvPicPr>
             <a:picLocks noChangeAspect="1"/>
           </p:cNvPicPr>
           <p:nvPr/>
         </p:nvPicPr>
         <p:blipFill>
-          <a:blip r:embed="rId2">
+          <a:blip r:embed="rId2" cstate="print">
             <a:extLst>
               <a:ext uri="{28A0092B-C50C-407E-A947-70E740481C1C}">
                 <a14:useLocalDpi xmlns:a14="http://schemas.microsoft.com/office/drawing/2010/main" val="0"/>
@@ -11460,8 +11383,8 @@
         </p:blipFill>
         <p:spPr>
           <a:xfrm>
-            <a:off x="406400" y="7821226"/>
-            <a:ext cx="4854051" cy="1138191"/>
+            <a:off x="650207" y="8287119"/>
+            <a:ext cx="2867152" cy="672298"/>
           </a:xfrm>
           <a:prstGeom prst="rect">
             <a:avLst/>
@@ -11470,7 +11393,7 @@
       </p:pic>
       <p:sp>
         <p:nvSpPr>
-          <p:cNvPr id="7" name="Rechteck 6"/>
+          <p:cNvPr id="10" name="Rechteck 9"/>
           <p:cNvSpPr/>
           <p:nvPr/>
         </p:nvSpPr>
@@ -11589,7 +11512,7 @@
       </p:sp>
       <p:pic>
         <p:nvPicPr>
-          <p:cNvPr id="9" name="Grafik 8"/>
+          <p:cNvPr id="11" name="Grafik 10"/>
           <p:cNvPicPr>
             <a:picLocks noChangeAspect="1"/>
           </p:cNvPicPr>
@@ -11609,8 +11532,8 @@
         </p:blipFill>
         <p:spPr>
           <a:xfrm>
-            <a:off x="8562782" y="7425606"/>
-            <a:ext cx="4035618" cy="1432644"/>
+            <a:off x="9513758" y="8103861"/>
+            <a:ext cx="2410018" cy="855556"/>
           </a:xfrm>
           <a:prstGeom prst="rect">
             <a:avLst/>
@@ -11959,18 +11882,7 @@
                   </a:schemeClr>
                 </a:solidFill>
               </a:rPr>
-              <a:t> </a:t>
-            </a:r>
-            <a:r>
-              <a:rPr sz="4000" dirty="0">
-                <a:solidFill>
-                  <a:schemeClr val="tx2">
-                    <a:lumMod val="20000"/>
-                    <a:lumOff val="80000"/>
-                  </a:schemeClr>
-                </a:solidFill>
-              </a:rPr>
-              <a:t>in Android / Java</a:t>
+              <a:t> in Android / Java</a:t>
             </a:r>
           </a:p>
           <a:p>
@@ -12200,32 +12112,21 @@
                   </a:schemeClr>
                 </a:solidFill>
               </a:rPr>
-              <a:t>.16 </a:t>
-            </a:r>
-            <a:r>
-              <a:rPr sz="4000" dirty="0">
-                <a:solidFill>
-                  <a:schemeClr val="tx2">
-                    <a:lumMod val="20000"/>
-                    <a:lumOff val="80000"/>
-                  </a:schemeClr>
-                </a:solidFill>
-              </a:rPr>
-              <a:t>- 14.02.2017</a:t>
+              <a:t>.16 - 14.02.2017</a:t>
             </a:r>
           </a:p>
         </p:txBody>
       </p:sp>
       <p:pic>
         <p:nvPicPr>
-          <p:cNvPr id="6" name="Grafik 5"/>
+          <p:cNvPr id="9" name="Grafik 8"/>
           <p:cNvPicPr>
             <a:picLocks noChangeAspect="1"/>
           </p:cNvPicPr>
           <p:nvPr/>
         </p:nvPicPr>
         <p:blipFill>
-          <a:blip r:embed="rId3">
+          <a:blip r:embed="rId3" cstate="print">
             <a:extLst>
               <a:ext uri="{28A0092B-C50C-407E-A947-70E740481C1C}">
                 <a14:useLocalDpi xmlns:a14="http://schemas.microsoft.com/office/drawing/2010/main" val="0"/>
@@ -12238,8 +12139,8 @@
         </p:blipFill>
         <p:spPr>
           <a:xfrm>
-            <a:off x="406400" y="7821226"/>
-            <a:ext cx="4854051" cy="1138191"/>
+            <a:off x="650207" y="8287119"/>
+            <a:ext cx="2867152" cy="672298"/>
           </a:xfrm>
           <a:prstGeom prst="rect">
             <a:avLst/>
@@ -12248,7 +12149,7 @@
       </p:pic>
       <p:sp>
         <p:nvSpPr>
-          <p:cNvPr id="7" name="Rechteck 6"/>
+          <p:cNvPr id="10" name="Rechteck 9"/>
           <p:cNvSpPr/>
           <p:nvPr/>
         </p:nvSpPr>
@@ -12367,7 +12268,7 @@
       </p:sp>
       <p:pic>
         <p:nvPicPr>
-          <p:cNvPr id="8" name="Grafik 7"/>
+          <p:cNvPr id="11" name="Grafik 10"/>
           <p:cNvPicPr>
             <a:picLocks noChangeAspect="1"/>
           </p:cNvPicPr>
@@ -12387,8 +12288,8 @@
         </p:blipFill>
         <p:spPr>
           <a:xfrm>
-            <a:off x="8562782" y="7419256"/>
-            <a:ext cx="4035618" cy="1432644"/>
+            <a:off x="9513758" y="8103861"/>
+            <a:ext cx="2410018" cy="855556"/>
           </a:xfrm>
           <a:prstGeom prst="rect">
             <a:avLst/>
@@ -12862,18 +12763,7 @@
                   </a:schemeClr>
                 </a:solidFill>
               </a:rPr>
-              <a:t> </a:t>
-            </a:r>
-            <a:r>
-              <a:rPr sz="4000" dirty="0">
-                <a:solidFill>
-                  <a:schemeClr val="tx2">
-                    <a:lumMod val="20000"/>
-                    <a:lumOff val="80000"/>
-                  </a:schemeClr>
-                </a:solidFill>
-              </a:rPr>
-              <a:t>Android App</a:t>
+              <a:t> Android App</a:t>
             </a:r>
           </a:p>
           <a:p>
@@ -12960,18 +12850,7 @@
                   </a:schemeClr>
                 </a:solidFill>
               </a:rPr>
-              <a:t>Multiplayer </a:t>
-            </a:r>
-            <a:r>
-              <a:rPr sz="4000" dirty="0">
-                <a:solidFill>
-                  <a:schemeClr val="tx2">
-                    <a:lumMod val="20000"/>
-                    <a:lumOff val="80000"/>
-                  </a:schemeClr>
-                </a:solidFill>
-              </a:rPr>
-              <a:t>(</a:t>
+              <a:t>Multiplayer (</a:t>
             </a:r>
             <a:r>
               <a:rPr lang="de-DE" sz="4000" dirty="0">
@@ -13034,18 +12913,7 @@
                   </a:schemeClr>
                 </a:solidFill>
               </a:rPr>
-              <a:t>R</a:t>
-            </a:r>
-            <a:r>
-              <a:rPr lang="de-DE" sz="4000" dirty="0" err="1">
-                <a:solidFill>
-                  <a:schemeClr val="tx2">
-                    <a:lumMod val="20000"/>
-                    <a:lumOff val="80000"/>
-                  </a:schemeClr>
-                </a:solidFill>
-              </a:rPr>
-              <a:t>egistierung</a:t>
+              <a:t>Registierung</a:t>
             </a:r>
             <a:r>
               <a:rPr lang="de-DE" sz="4000" dirty="0">
@@ -13071,14 +12939,14 @@
       </p:sp>
       <p:pic>
         <p:nvPicPr>
-          <p:cNvPr id="6" name="Grafik 5"/>
+          <p:cNvPr id="9" name="Grafik 8"/>
           <p:cNvPicPr>
             <a:picLocks noChangeAspect="1"/>
           </p:cNvPicPr>
           <p:nvPr/>
         </p:nvPicPr>
         <p:blipFill>
-          <a:blip r:embed="rId3">
+          <a:blip r:embed="rId3" cstate="print">
             <a:extLst>
               <a:ext uri="{28A0092B-C50C-407E-A947-70E740481C1C}">
                 <a14:useLocalDpi xmlns:a14="http://schemas.microsoft.com/office/drawing/2010/main" val="0"/>
@@ -13091,8 +12959,8 @@
         </p:blipFill>
         <p:spPr>
           <a:xfrm>
-            <a:off x="406400" y="7821226"/>
-            <a:ext cx="4854051" cy="1138191"/>
+            <a:off x="650207" y="8287119"/>
+            <a:ext cx="2867152" cy="672298"/>
           </a:xfrm>
           <a:prstGeom prst="rect">
             <a:avLst/>
@@ -13101,7 +12969,7 @@
       </p:pic>
       <p:sp>
         <p:nvSpPr>
-          <p:cNvPr id="7" name="Rechteck 6"/>
+          <p:cNvPr id="10" name="Rechteck 9"/>
           <p:cNvSpPr/>
           <p:nvPr/>
         </p:nvSpPr>
@@ -13220,7 +13088,7 @@
       </p:sp>
       <p:pic>
         <p:nvPicPr>
-          <p:cNvPr id="8" name="Grafik 7"/>
+          <p:cNvPr id="11" name="Grafik 10"/>
           <p:cNvPicPr>
             <a:picLocks noChangeAspect="1"/>
           </p:cNvPicPr>
@@ -13240,8 +13108,8 @@
         </p:blipFill>
         <p:spPr>
           <a:xfrm>
-            <a:off x="8562782" y="7425606"/>
-            <a:ext cx="4035618" cy="1432644"/>
+            <a:off x="9513758" y="8103861"/>
+            <a:ext cx="2410018" cy="855556"/>
           </a:xfrm>
           <a:prstGeom prst="rect">
             <a:avLst/>
@@ -13871,18 +13739,7 @@
                   </a:schemeClr>
                 </a:solidFill>
               </a:rPr>
-              <a:t> </a:t>
-            </a:r>
-            <a:r>
-              <a:rPr sz="4000" dirty="0">
-                <a:solidFill>
-                  <a:schemeClr val="tx2">
-                    <a:lumMod val="20000"/>
-                    <a:lumOff val="80000"/>
-                  </a:schemeClr>
-                </a:solidFill>
-              </a:rPr>
-              <a:t>2016</a:t>
+              <a:t> 2016</a:t>
             </a:r>
             <a:r>
               <a:rPr lang="de-DE" sz="4000" dirty="0">
@@ -13978,18 +13835,7 @@
                   </a:schemeClr>
                 </a:solidFill>
               </a:rPr>
-              <a:t> </a:t>
-            </a:r>
-            <a:r>
-              <a:rPr sz="4000" dirty="0">
-                <a:solidFill>
-                  <a:schemeClr val="tx2">
-                    <a:lumMod val="20000"/>
-                    <a:lumOff val="80000"/>
-                  </a:schemeClr>
-                </a:solidFill>
-              </a:rPr>
-              <a:t>15.01.2017</a:t>
+              <a:t> 15.01.2017</a:t>
             </a:r>
             <a:r>
               <a:rPr lang="de-DE" sz="4000" dirty="0">
@@ -14085,10 +13931,10 @@
                   </a:schemeClr>
                 </a:solidFill>
               </a:rPr>
-              <a:t> </a:t>
-            </a:r>
-            <a:r>
-              <a:rPr sz="4000" dirty="0">
+              <a:t> 01.02.2017</a:t>
+            </a:r>
+            <a:r>
+              <a:rPr lang="de-DE" sz="4000" dirty="0">
                 <a:solidFill>
                   <a:schemeClr val="tx2">
                     <a:lumMod val="20000"/>
@@ -14096,10 +13942,10 @@
                   </a:schemeClr>
                 </a:solidFill>
               </a:rPr>
-              <a:t>01.02.2017</a:t>
-            </a:r>
-            <a:r>
-              <a:rPr lang="de-DE" sz="4000" dirty="0">
+              <a:t>:</a:t>
+            </a:r>
+            <a:r>
+              <a:rPr sz="4000" dirty="0">
                 <a:solidFill>
                   <a:schemeClr val="tx2">
                     <a:lumMod val="20000"/>
@@ -14107,10 +13953,10 @@
                   </a:schemeClr>
                 </a:solidFill>
               </a:rPr>
-              <a:t>:</a:t>
-            </a:r>
-            <a:r>
-              <a:rPr sz="4000" dirty="0">
+              <a:t> </a:t>
+            </a:r>
+            <a:r>
+              <a:rPr sz="4000" dirty="0" err="1">
                 <a:solidFill>
                   <a:schemeClr val="tx2">
                     <a:lumMod val="20000"/>
@@ -14118,10 +13964,10 @@
                   </a:schemeClr>
                 </a:solidFill>
               </a:rPr>
-              <a:t> </a:t>
-            </a:r>
-            <a:r>
-              <a:rPr sz="4000" dirty="0" err="1">
+              <a:t>Realisierung</a:t>
+            </a:r>
+            <a:r>
+              <a:rPr sz="4000" dirty="0">
                 <a:solidFill>
                   <a:schemeClr val="tx2">
                     <a:lumMod val="20000"/>
@@ -14129,51 +13975,21 @@
                   </a:schemeClr>
                 </a:solidFill>
               </a:rPr>
-              <a:t>Realisierung</a:t>
-            </a:r>
-            <a:r>
-              <a:rPr sz="4000" dirty="0">
-                <a:solidFill>
-                  <a:schemeClr val="tx2">
-                    <a:lumMod val="20000"/>
-                    <a:lumOff val="80000"/>
-                  </a:schemeClr>
-                </a:solidFill>
-              </a:rPr>
-              <a:t> Multiplayer (online</a:t>
-            </a:r>
-            <a:r>
-              <a:rPr sz="4000" dirty="0">
-                <a:solidFill>
-                  <a:schemeClr val="tx2">
-                    <a:lumMod val="20000"/>
-                    <a:lumOff val="80000"/>
-                  </a:schemeClr>
-                </a:solidFill>
-              </a:rPr>
-              <a:t>)</a:t>
-            </a:r>
-            <a:endParaRPr sz="4000" dirty="0">
-              <a:solidFill>
-                <a:schemeClr val="tx2">
-                  <a:lumMod val="20000"/>
-                  <a:lumOff val="80000"/>
-                </a:schemeClr>
-              </a:solidFill>
-            </a:endParaRPr>
+              <a:t> Multiplayer (online)</a:t>
+            </a:r>
           </a:p>
         </p:txBody>
       </p:sp>
       <p:pic>
         <p:nvPicPr>
-          <p:cNvPr id="6" name="Grafik 5"/>
+          <p:cNvPr id="8" name="Grafik 7"/>
           <p:cNvPicPr>
             <a:picLocks noChangeAspect="1"/>
           </p:cNvPicPr>
           <p:nvPr/>
         </p:nvPicPr>
         <p:blipFill>
-          <a:blip r:embed="rId2">
+          <a:blip r:embed="rId2" cstate="print">
             <a:extLst>
               <a:ext uri="{28A0092B-C50C-407E-A947-70E740481C1C}">
                 <a14:useLocalDpi xmlns:a14="http://schemas.microsoft.com/office/drawing/2010/main" val="0"/>
@@ -14186,8 +14002,8 @@
         </p:blipFill>
         <p:spPr>
           <a:xfrm>
-            <a:off x="406400" y="7821226"/>
-            <a:ext cx="4854051" cy="1138191"/>
+            <a:off x="650207" y="8287119"/>
+            <a:ext cx="2867152" cy="672298"/>
           </a:xfrm>
           <a:prstGeom prst="rect">
             <a:avLst/>
@@ -14196,7 +14012,7 @@
       </p:pic>
       <p:sp>
         <p:nvSpPr>
-          <p:cNvPr id="7" name="Rechteck 6"/>
+          <p:cNvPr id="10" name="Rechteck 9"/>
           <p:cNvSpPr/>
           <p:nvPr/>
         </p:nvSpPr>
@@ -14315,7 +14131,7 @@
       </p:sp>
       <p:pic>
         <p:nvPicPr>
-          <p:cNvPr id="9" name="Grafik 8"/>
+          <p:cNvPr id="11" name="Grafik 10"/>
           <p:cNvPicPr>
             <a:picLocks noChangeAspect="1"/>
           </p:cNvPicPr>
@@ -14335,8 +14151,8 @@
         </p:blipFill>
         <p:spPr>
           <a:xfrm>
-            <a:off x="8562782" y="7425606"/>
-            <a:ext cx="4035618" cy="1432644"/>
+            <a:off x="9513758" y="8103861"/>
+            <a:ext cx="2410018" cy="855556"/>
           </a:xfrm>
           <a:prstGeom prst="rect">
             <a:avLst/>
@@ -14893,14 +14709,6 @@
               </a:rPr>
               <a:t> </a:t>
             </a:r>
-            <a:endParaRPr sz="4000" dirty="0">
-              <a:solidFill>
-                <a:schemeClr val="tx2">
-                  <a:lumMod val="20000"/>
-                  <a:lumOff val="80000"/>
-                </a:schemeClr>
-              </a:solidFill>
-            </a:endParaRPr>
           </a:p>
           <a:p>
             <a:pPr marL="368934" indent="-368934" defTabSz="484886">
@@ -14964,27 +14772,19 @@
               </a:rPr>
               <a:t> </a:t>
             </a:r>
-            <a:endParaRPr sz="4000" dirty="0">
-              <a:solidFill>
-                <a:schemeClr val="tx2">
-                  <a:lumMod val="20000"/>
-                  <a:lumOff val="80000"/>
-                </a:schemeClr>
-              </a:solidFill>
-            </a:endParaRPr>
           </a:p>
         </p:txBody>
       </p:sp>
       <p:pic>
         <p:nvPicPr>
-          <p:cNvPr id="6" name="Grafik 5"/>
+          <p:cNvPr id="9" name="Grafik 8"/>
           <p:cNvPicPr>
             <a:picLocks noChangeAspect="1"/>
           </p:cNvPicPr>
           <p:nvPr/>
         </p:nvPicPr>
         <p:blipFill>
-          <a:blip r:embed="rId3">
+          <a:blip r:embed="rId3" cstate="print">
             <a:extLst>
               <a:ext uri="{28A0092B-C50C-407E-A947-70E740481C1C}">
                 <a14:useLocalDpi xmlns:a14="http://schemas.microsoft.com/office/drawing/2010/main" val="0"/>
@@ -14997,8 +14797,8 @@
         </p:blipFill>
         <p:spPr>
           <a:xfrm>
-            <a:off x="406400" y="7821226"/>
-            <a:ext cx="4854051" cy="1138191"/>
+            <a:off x="650207" y="8287119"/>
+            <a:ext cx="2867152" cy="672298"/>
           </a:xfrm>
           <a:prstGeom prst="rect">
             <a:avLst/>
@@ -15007,7 +14807,7 @@
       </p:pic>
       <p:sp>
         <p:nvSpPr>
-          <p:cNvPr id="7" name="Rechteck 6"/>
+          <p:cNvPr id="10" name="Rechteck 9"/>
           <p:cNvSpPr/>
           <p:nvPr/>
         </p:nvSpPr>
@@ -15126,7 +14926,7 @@
       </p:sp>
       <p:pic>
         <p:nvPicPr>
-          <p:cNvPr id="8" name="Grafik 7"/>
+          <p:cNvPr id="11" name="Grafik 10"/>
           <p:cNvPicPr>
             <a:picLocks noChangeAspect="1"/>
           </p:cNvPicPr>
@@ -15146,8 +14946,8 @@
         </p:blipFill>
         <p:spPr>
           <a:xfrm>
-            <a:off x="8562782" y="7425606"/>
-            <a:ext cx="4035618" cy="1432644"/>
+            <a:off x="9513758" y="8103861"/>
+            <a:ext cx="2410018" cy="855556"/>
           </a:xfrm>
           <a:prstGeom prst="rect">
             <a:avLst/>
@@ -15561,29 +15361,7 @@
                   </a:schemeClr>
                 </a:solidFill>
               </a:rPr>
-              <a:t> </a:t>
-            </a:r>
-            <a:r>
-              <a:rPr sz="4000" dirty="0">
-                <a:solidFill>
-                  <a:schemeClr val="tx2">
-                    <a:lumMod val="20000"/>
-                    <a:lumOff val="80000"/>
-                  </a:schemeClr>
-                </a:solidFill>
-              </a:rPr>
-              <a:t>auf </a:t>
-            </a:r>
-            <a:r>
-              <a:rPr sz="4000" dirty="0">
-                <a:solidFill>
-                  <a:schemeClr val="tx2">
-                    <a:lumMod val="20000"/>
-                    <a:lumOff val="80000"/>
-                  </a:schemeClr>
-                </a:solidFill>
-              </a:rPr>
-              <a:t>Android </a:t>
+              <a:t> auf Android </a:t>
             </a:r>
             <a:endParaRPr lang="de-DE" sz="4000" dirty="0">
               <a:solidFill>
@@ -15667,18 +15445,7 @@
                   </a:schemeClr>
                 </a:solidFill>
               </a:rPr>
-              <a:t>Passwort </a:t>
-            </a:r>
-            <a:r>
-              <a:rPr lang="de-DE" sz="4000" dirty="0">
-                <a:solidFill>
-                  <a:schemeClr val="tx2">
-                    <a:lumMod val="20000"/>
-                    <a:lumOff val="80000"/>
-                  </a:schemeClr>
-                </a:solidFill>
-              </a:rPr>
-              <a:t>Verschlüsselung</a:t>
+              <a:t>Passwort Verschlüsselung</a:t>
             </a:r>
             <a:endParaRPr sz="4000" dirty="0">
               <a:solidFill>
@@ -15720,14 +15487,14 @@
       </p:sp>
       <p:pic>
         <p:nvPicPr>
-          <p:cNvPr id="6" name="Grafik 5"/>
+          <p:cNvPr id="9" name="Grafik 8"/>
           <p:cNvPicPr>
             <a:picLocks noChangeAspect="1"/>
           </p:cNvPicPr>
           <p:nvPr/>
         </p:nvPicPr>
         <p:blipFill>
-          <a:blip r:embed="rId3">
+          <a:blip r:embed="rId3" cstate="print">
             <a:extLst>
               <a:ext uri="{28A0092B-C50C-407E-A947-70E740481C1C}">
                 <a14:useLocalDpi xmlns:a14="http://schemas.microsoft.com/office/drawing/2010/main" val="0"/>
@@ -15740,8 +15507,8 @@
         </p:blipFill>
         <p:spPr>
           <a:xfrm>
-            <a:off x="406400" y="7821226"/>
-            <a:ext cx="4854051" cy="1138191"/>
+            <a:off x="650207" y="8287119"/>
+            <a:ext cx="2867152" cy="672298"/>
           </a:xfrm>
           <a:prstGeom prst="rect">
             <a:avLst/>
@@ -15750,7 +15517,7 @@
       </p:pic>
       <p:sp>
         <p:nvSpPr>
-          <p:cNvPr id="7" name="Rechteck 6"/>
+          <p:cNvPr id="10" name="Rechteck 9"/>
           <p:cNvSpPr/>
           <p:nvPr/>
         </p:nvSpPr>
@@ -15869,7 +15636,7 @@
       </p:sp>
       <p:pic>
         <p:nvPicPr>
-          <p:cNvPr id="8" name="Grafik 7"/>
+          <p:cNvPr id="11" name="Grafik 10"/>
           <p:cNvPicPr>
             <a:picLocks noChangeAspect="1"/>
           </p:cNvPicPr>
@@ -15889,8 +15656,8 @@
         </p:blipFill>
         <p:spPr>
           <a:xfrm>
-            <a:off x="8562782" y="7425606"/>
-            <a:ext cx="4035618" cy="1432644"/>
+            <a:off x="9513758" y="8103861"/>
+            <a:ext cx="2410018" cy="855556"/>
           </a:xfrm>
           <a:prstGeom prst="rect">
             <a:avLst/>
@@ -16477,14 +16244,14 @@
       </p:sp>
       <p:pic>
         <p:nvPicPr>
-          <p:cNvPr id="7" name="Grafik 6"/>
+          <p:cNvPr id="9" name="Grafik 8"/>
           <p:cNvPicPr>
             <a:picLocks noChangeAspect="1"/>
           </p:cNvPicPr>
           <p:nvPr/>
         </p:nvPicPr>
         <p:blipFill>
-          <a:blip r:embed="rId3">
+          <a:blip r:embed="rId3" cstate="print">
             <a:extLst>
               <a:ext uri="{28A0092B-C50C-407E-A947-70E740481C1C}">
                 <a14:useLocalDpi xmlns:a14="http://schemas.microsoft.com/office/drawing/2010/main" val="0"/>
@@ -16497,8 +16264,8 @@
         </p:blipFill>
         <p:spPr>
           <a:xfrm>
-            <a:off x="406400" y="7821226"/>
-            <a:ext cx="4854051" cy="1138191"/>
+            <a:off x="650207" y="8287119"/>
+            <a:ext cx="2867152" cy="672298"/>
           </a:xfrm>
           <a:prstGeom prst="rect">
             <a:avLst/>
@@ -16507,7 +16274,7 @@
       </p:pic>
       <p:sp>
         <p:nvSpPr>
-          <p:cNvPr id="8" name="Rechteck 7"/>
+          <p:cNvPr id="11" name="Rechteck 10"/>
           <p:cNvSpPr/>
           <p:nvPr/>
         </p:nvSpPr>
@@ -16626,7 +16393,7 @@
       </p:sp>
       <p:pic>
         <p:nvPicPr>
-          <p:cNvPr id="10" name="Grafik 9"/>
+          <p:cNvPr id="12" name="Grafik 11"/>
           <p:cNvPicPr>
             <a:picLocks noChangeAspect="1"/>
           </p:cNvPicPr>
@@ -16646,8 +16413,8 @@
         </p:blipFill>
         <p:spPr>
           <a:xfrm>
-            <a:off x="8562782" y="7425606"/>
-            <a:ext cx="4035618" cy="1432644"/>
+            <a:off x="9513758" y="8103861"/>
+            <a:ext cx="2410018" cy="855556"/>
           </a:xfrm>
           <a:prstGeom prst="rect">
             <a:avLst/>
